--- a/救贖的恩典(崇拜版).pptx
+++ b/救贖的恩典(崇拜版).pptx
@@ -10,7 +10,7 @@
     <p:sldId id="264" r:id="rId4"/>
     <p:sldId id="265" r:id="rId5"/>
   </p:sldIdLst>
-  <p:sldSz cx="9144000" cy="6858000" type="screen4x3"/>
+  <p:sldSz cx="12192000" cy="6858000"/>
   <p:notesSz cx="6858000" cy="9144000"/>
   <p:defaultTextStyle>
     <a:defPPr>
@@ -107,6 +107,22 @@
       </a:defRPr>
     </a:lvl9pPr>
   </p:defaultTextStyle>
+  <p:extLst>
+    <p:ext uri="{EFAFB233-063F-42B5-8137-9DF3F51BA10A}">
+      <p15:sldGuideLst xmlns:p15="http://schemas.microsoft.com/office/powerpoint/2012/main">
+        <p15:guide id="1" orient="horz" pos="2160" userDrawn="1">
+          <p15:clr>
+            <a:srgbClr val="A4A3A4"/>
+          </p15:clr>
+        </p15:guide>
+        <p15:guide id="2" pos="3840" userDrawn="1">
+          <p15:clr>
+            <a:srgbClr val="A4A3A4"/>
+          </p15:clr>
+        </p15:guide>
+      </p15:sldGuideLst>
+    </p:ext>
+  </p:extLst>
 </p:presentation>
 </file>
 
@@ -139,8 +155,8 @@
         </p:nvSpPr>
         <p:spPr>
           <a:xfrm>
-            <a:off x="685800" y="2130425"/>
-            <a:ext cx="7772400" cy="1470025"/>
+            <a:off x="914400" y="2130426"/>
+            <a:ext cx="10363200" cy="1470025"/>
           </a:xfrm>
         </p:spPr>
         <p:txBody>
@@ -167,8 +183,8 @@
         </p:nvSpPr>
         <p:spPr>
           <a:xfrm>
-            <a:off x="1371600" y="3886200"/>
-            <a:ext cx="6400800" cy="1752600"/>
+            <a:off x="1828800" y="3886200"/>
+            <a:ext cx="8534400" cy="1752600"/>
           </a:xfrm>
         </p:spPr>
         <p:txBody>
@@ -292,7 +308,7 @@
             <a:fld id="{DF646D27-C028-49C8-A06E-0469BE7D3348}" type="datetimeFigureOut">
               <a:rPr lang="zh-TW" altLang="en-US" smtClean="0"/>
               <a:pPr/>
-              <a:t>2017/9/3</a:t>
+              <a:t>2020/6/6</a:t>
             </a:fld>
             <a:endParaRPr lang="zh-TW" altLang="en-US"/>
           </a:p>
@@ -459,7 +475,7 @@
             <a:fld id="{DF646D27-C028-49C8-A06E-0469BE7D3348}" type="datetimeFigureOut">
               <a:rPr lang="zh-TW" altLang="en-US" smtClean="0"/>
               <a:pPr/>
-              <a:t>2017/9/3</a:t>
+              <a:t>2020/6/6</a:t>
             </a:fld>
             <a:endParaRPr lang="zh-TW" altLang="en-US"/>
           </a:p>
@@ -545,8 +561,8 @@
         </p:nvSpPr>
         <p:spPr>
           <a:xfrm>
-            <a:off x="6629400" y="274638"/>
-            <a:ext cx="2057400" cy="5851525"/>
+            <a:off x="8839200" y="274639"/>
+            <a:ext cx="2743200" cy="5851525"/>
           </a:xfrm>
         </p:spPr>
         <p:txBody>
@@ -573,8 +589,8 @@
         </p:nvSpPr>
         <p:spPr>
           <a:xfrm>
-            <a:off x="457200" y="274638"/>
-            <a:ext cx="6019800" cy="5851525"/>
+            <a:off x="609600" y="274639"/>
+            <a:ext cx="8026400" cy="5851525"/>
           </a:xfrm>
         </p:spPr>
         <p:txBody>
@@ -636,7 +652,7 @@
             <a:fld id="{DF646D27-C028-49C8-A06E-0469BE7D3348}" type="datetimeFigureOut">
               <a:rPr lang="zh-TW" altLang="en-US" smtClean="0"/>
               <a:pPr/>
-              <a:t>2017/9/3</a:t>
+              <a:t>2020/6/6</a:t>
             </a:fld>
             <a:endParaRPr lang="zh-TW" altLang="en-US"/>
           </a:p>
@@ -803,7 +819,7 @@
             <a:fld id="{DF646D27-C028-49C8-A06E-0469BE7D3348}" type="datetimeFigureOut">
               <a:rPr lang="zh-TW" altLang="en-US" smtClean="0"/>
               <a:pPr/>
-              <a:t>2017/9/3</a:t>
+              <a:t>2020/6/6</a:t>
             </a:fld>
             <a:endParaRPr lang="zh-TW" altLang="en-US"/>
           </a:p>
@@ -889,8 +905,8 @@
         </p:nvSpPr>
         <p:spPr>
           <a:xfrm>
-            <a:off x="722313" y="4406900"/>
-            <a:ext cx="7772400" cy="1362075"/>
+            <a:off x="963084" y="4406901"/>
+            <a:ext cx="10363200" cy="1362075"/>
           </a:xfrm>
         </p:spPr>
         <p:txBody>
@@ -921,8 +937,8 @@
         </p:nvSpPr>
         <p:spPr>
           <a:xfrm>
-            <a:off x="722313" y="2906713"/>
-            <a:ext cx="7772400" cy="1500187"/>
+            <a:off x="963084" y="2906713"/>
+            <a:ext cx="10363200" cy="1500187"/>
           </a:xfrm>
         </p:spPr>
         <p:txBody>
@@ -1046,7 +1062,7 @@
             <a:fld id="{DF646D27-C028-49C8-A06E-0469BE7D3348}" type="datetimeFigureOut">
               <a:rPr lang="zh-TW" altLang="en-US" smtClean="0"/>
               <a:pPr/>
-              <a:t>2017/9/3</a:t>
+              <a:t>2020/6/6</a:t>
             </a:fld>
             <a:endParaRPr lang="zh-TW" altLang="en-US"/>
           </a:p>
@@ -1155,8 +1171,8 @@
         </p:nvSpPr>
         <p:spPr>
           <a:xfrm>
-            <a:off x="457200" y="1600200"/>
-            <a:ext cx="4038600" cy="4525963"/>
+            <a:off x="609600" y="1600201"/>
+            <a:ext cx="5384800" cy="4525963"/>
           </a:xfrm>
         </p:spPr>
         <p:txBody>
@@ -1240,8 +1256,8 @@
         </p:nvSpPr>
         <p:spPr>
           <a:xfrm>
-            <a:off x="4648200" y="1600200"/>
-            <a:ext cx="4038600" cy="4525963"/>
+            <a:off x="6197600" y="1600201"/>
+            <a:ext cx="5384800" cy="4525963"/>
           </a:xfrm>
         </p:spPr>
         <p:txBody>
@@ -1331,7 +1347,7 @@
             <a:fld id="{DF646D27-C028-49C8-A06E-0469BE7D3348}" type="datetimeFigureOut">
               <a:rPr lang="zh-TW" altLang="en-US" smtClean="0"/>
               <a:pPr/>
-              <a:t>2017/9/3</a:t>
+              <a:t>2020/6/6</a:t>
             </a:fld>
             <a:endParaRPr lang="zh-TW" altLang="en-US"/>
           </a:p>
@@ -1444,8 +1460,8 @@
         </p:nvSpPr>
         <p:spPr>
           <a:xfrm>
-            <a:off x="457200" y="1535113"/>
-            <a:ext cx="4040188" cy="639762"/>
+            <a:off x="609600" y="1535113"/>
+            <a:ext cx="5386917" cy="639762"/>
           </a:xfrm>
         </p:spPr>
         <p:txBody>
@@ -1509,8 +1525,8 @@
         </p:nvSpPr>
         <p:spPr>
           <a:xfrm>
-            <a:off x="457200" y="2174875"/>
-            <a:ext cx="4040188" cy="3951288"/>
+            <a:off x="609600" y="2174875"/>
+            <a:ext cx="5386917" cy="3951288"/>
           </a:xfrm>
         </p:spPr>
         <p:txBody>
@@ -1594,8 +1610,8 @@
         </p:nvSpPr>
         <p:spPr>
           <a:xfrm>
-            <a:off x="4645025" y="1535113"/>
-            <a:ext cx="4041775" cy="639762"/>
+            <a:off x="6193368" y="1535113"/>
+            <a:ext cx="5389033" cy="639762"/>
           </a:xfrm>
         </p:spPr>
         <p:txBody>
@@ -1659,8 +1675,8 @@
         </p:nvSpPr>
         <p:spPr>
           <a:xfrm>
-            <a:off x="4645025" y="2174875"/>
-            <a:ext cx="4041775" cy="3951288"/>
+            <a:off x="6193368" y="2174875"/>
+            <a:ext cx="5389033" cy="3951288"/>
           </a:xfrm>
         </p:spPr>
         <p:txBody>
@@ -1750,7 +1766,7 @@
             <a:fld id="{DF646D27-C028-49C8-A06E-0469BE7D3348}" type="datetimeFigureOut">
               <a:rPr lang="zh-TW" altLang="en-US" smtClean="0"/>
               <a:pPr/>
-              <a:t>2017/9/3</a:t>
+              <a:t>2020/6/6</a:t>
             </a:fld>
             <a:endParaRPr lang="zh-TW" altLang="en-US"/>
           </a:p>
@@ -1865,7 +1881,7 @@
             <a:fld id="{DF646D27-C028-49C8-A06E-0469BE7D3348}" type="datetimeFigureOut">
               <a:rPr lang="zh-TW" altLang="en-US" smtClean="0"/>
               <a:pPr/>
-              <a:t>2017/9/3</a:t>
+              <a:t>2020/6/6</a:t>
             </a:fld>
             <a:endParaRPr lang="zh-TW" altLang="en-US"/>
           </a:p>
@@ -1957,7 +1973,7 @@
             <a:fld id="{DF646D27-C028-49C8-A06E-0469BE7D3348}" type="datetimeFigureOut">
               <a:rPr lang="zh-TW" altLang="en-US" smtClean="0"/>
               <a:pPr/>
-              <a:t>2017/9/3</a:t>
+              <a:t>2020/6/6</a:t>
             </a:fld>
             <a:endParaRPr lang="zh-TW" altLang="en-US"/>
           </a:p>
@@ -2043,8 +2059,8 @@
         </p:nvSpPr>
         <p:spPr>
           <a:xfrm>
-            <a:off x="457200" y="273050"/>
-            <a:ext cx="3008313" cy="1162050"/>
+            <a:off x="609601" y="273050"/>
+            <a:ext cx="4011084" cy="1162050"/>
           </a:xfrm>
         </p:spPr>
         <p:txBody>
@@ -2075,8 +2091,8 @@
         </p:nvSpPr>
         <p:spPr>
           <a:xfrm>
-            <a:off x="3575050" y="273050"/>
-            <a:ext cx="5111750" cy="5853113"/>
+            <a:off x="4766733" y="273051"/>
+            <a:ext cx="6815667" cy="5853113"/>
           </a:xfrm>
         </p:spPr>
         <p:txBody>
@@ -2160,8 +2176,8 @@
         </p:nvSpPr>
         <p:spPr>
           <a:xfrm>
-            <a:off x="457200" y="1435100"/>
-            <a:ext cx="3008313" cy="4691063"/>
+            <a:off x="609601" y="1435101"/>
+            <a:ext cx="4011084" cy="4691063"/>
           </a:xfrm>
         </p:spPr>
         <p:txBody>
@@ -2231,7 +2247,7 @@
             <a:fld id="{DF646D27-C028-49C8-A06E-0469BE7D3348}" type="datetimeFigureOut">
               <a:rPr lang="zh-TW" altLang="en-US" smtClean="0"/>
               <a:pPr/>
-              <a:t>2017/9/3</a:t>
+              <a:t>2020/6/6</a:t>
             </a:fld>
             <a:endParaRPr lang="zh-TW" altLang="en-US"/>
           </a:p>
@@ -2317,8 +2333,8 @@
         </p:nvSpPr>
         <p:spPr>
           <a:xfrm>
-            <a:off x="1792288" y="4800600"/>
-            <a:ext cx="5486400" cy="566738"/>
+            <a:off x="2389717" y="4800600"/>
+            <a:ext cx="7315200" cy="566738"/>
           </a:xfrm>
         </p:spPr>
         <p:txBody>
@@ -2349,8 +2365,8 @@
         </p:nvSpPr>
         <p:spPr>
           <a:xfrm>
-            <a:off x="1792288" y="612775"/>
-            <a:ext cx="5486400" cy="4114800"/>
+            <a:off x="2389717" y="612775"/>
+            <a:ext cx="7315200" cy="4114800"/>
           </a:xfrm>
         </p:spPr>
         <p:txBody>
@@ -2414,8 +2430,8 @@
         </p:nvSpPr>
         <p:spPr>
           <a:xfrm>
-            <a:off x="1792288" y="5367338"/>
-            <a:ext cx="5486400" cy="804862"/>
+            <a:off x="2389717" y="5367338"/>
+            <a:ext cx="7315200" cy="804862"/>
           </a:xfrm>
         </p:spPr>
         <p:txBody>
@@ -2485,7 +2501,7 @@
             <a:fld id="{DF646D27-C028-49C8-A06E-0469BE7D3348}" type="datetimeFigureOut">
               <a:rPr lang="zh-TW" altLang="en-US" smtClean="0"/>
               <a:pPr/>
-              <a:t>2017/9/3</a:t>
+              <a:t>2020/6/6</a:t>
             </a:fld>
             <a:endParaRPr lang="zh-TW" altLang="en-US"/>
           </a:p>
@@ -2581,8 +2597,8 @@
         </p:nvSpPr>
         <p:spPr>
           <a:xfrm>
-            <a:off x="457200" y="274638"/>
-            <a:ext cx="8229600" cy="1143000"/>
+            <a:off x="609600" y="274638"/>
+            <a:ext cx="10972800" cy="1143000"/>
           </a:xfrm>
           <a:prstGeom prst="rect">
             <a:avLst/>
@@ -2614,8 +2630,8 @@
         </p:nvSpPr>
         <p:spPr>
           <a:xfrm>
-            <a:off x="457200" y="1600200"/>
-            <a:ext cx="8229600" cy="4525963"/>
+            <a:off x="609600" y="1600201"/>
+            <a:ext cx="10972800" cy="4525963"/>
           </a:xfrm>
           <a:prstGeom prst="rect">
             <a:avLst/>
@@ -2676,8 +2692,8 @@
         </p:nvSpPr>
         <p:spPr>
           <a:xfrm>
-            <a:off x="457200" y="6356350"/>
-            <a:ext cx="2133600" cy="365125"/>
+            <a:off x="609600" y="6356351"/>
+            <a:ext cx="2844800" cy="365125"/>
           </a:xfrm>
           <a:prstGeom prst="rect">
             <a:avLst/>
@@ -2700,7 +2716,7 @@
             <a:fld id="{DF646D27-C028-49C8-A06E-0469BE7D3348}" type="datetimeFigureOut">
               <a:rPr lang="zh-TW" altLang="en-US" smtClean="0"/>
               <a:pPr/>
-              <a:t>2017/9/3</a:t>
+              <a:t>2020/6/6</a:t>
             </a:fld>
             <a:endParaRPr lang="zh-TW" altLang="en-US"/>
           </a:p>
@@ -2718,8 +2734,8 @@
         </p:nvSpPr>
         <p:spPr>
           <a:xfrm>
-            <a:off x="3124200" y="6356350"/>
-            <a:ext cx="2895600" cy="365125"/>
+            <a:off x="4165600" y="6356351"/>
+            <a:ext cx="3860800" cy="365125"/>
           </a:xfrm>
           <a:prstGeom prst="rect">
             <a:avLst/>
@@ -2755,8 +2771,8 @@
         </p:nvSpPr>
         <p:spPr>
           <a:xfrm>
-            <a:off x="6553200" y="6356350"/>
-            <a:ext cx="2133600" cy="365125"/>
+            <a:off x="8737600" y="6356351"/>
+            <a:ext cx="2844800" cy="365125"/>
           </a:xfrm>
           <a:prstGeom prst="rect">
             <a:avLst/>
@@ -3083,11 +3099,13 @@
         </p:nvSpPr>
         <p:spPr/>
         <p:txBody>
-          <a:bodyPr/>
-          <a:lstStyle/>
-          <a:p>
-            <a:r>
-              <a:rPr lang="zh-CN" altLang="en-US" b="1" dirty="0" smtClean="0">
+          <a:bodyPr>
+            <a:normAutofit/>
+          </a:bodyPr>
+          <a:lstStyle/>
+          <a:p>
+            <a:r>
+              <a:rPr lang="zh-CN" altLang="en-US" sz="4800" b="1" dirty="0" smtClean="0">
                 <a:solidFill>
                   <a:srgbClr val="000066"/>
                 </a:solidFill>
@@ -3096,7 +3114,7 @@
               </a:rPr>
               <a:t>救贖的恩典</a:t>
             </a:r>
-            <a:endParaRPr lang="zh-TW" altLang="en-US" b="1" dirty="0">
+            <a:endParaRPr lang="zh-TW" altLang="en-US" sz="4800" b="1" dirty="0">
               <a:solidFill>
                 <a:srgbClr val="000066"/>
               </a:solidFill>
@@ -3127,7 +3145,7 @@
               <a:buNone/>
             </a:pPr>
             <a:r>
-              <a:rPr lang="zh-TW" altLang="en-US" sz="5400" b="1" dirty="0" smtClean="0">
+              <a:rPr lang="zh-TW" altLang="en-US" sz="5400" b="1" dirty="0">
                 <a:solidFill>
                   <a:srgbClr val="000066"/>
                 </a:solidFill>
@@ -3136,7 +3154,7 @@
               </a:rPr>
               <a:t>每當我拿起這餅</a:t>
             </a:r>
-            <a:endParaRPr lang="en-US" altLang="zh-TW" sz="5400" b="1" dirty="0" smtClean="0">
+            <a:endParaRPr lang="en-US" altLang="zh-TW" sz="5400" b="1" dirty="0">
               <a:solidFill>
                 <a:srgbClr val="000066"/>
               </a:solidFill>
@@ -3149,16 +3167,56 @@
               <a:buNone/>
             </a:pPr>
             <a:r>
-              <a:rPr lang="zh-TW" altLang="en-US" sz="5400" b="1" dirty="0" smtClean="0">
+              <a:rPr lang="zh-TW" altLang="en-US" sz="5400" b="1" dirty="0">
                 <a:solidFill>
                   <a:srgbClr val="000066"/>
                 </a:solidFill>
                 <a:latin typeface="微軟正黑體" pitchFamily="34" charset="-120"/>
                 <a:ea typeface="微軟正黑體" pitchFamily="34" charset="-120"/>
               </a:rPr>
-              <a:t>我記念你  親愛耶穌</a:t>
-            </a:r>
-            <a:endParaRPr lang="en-US" altLang="zh-TW" sz="5400" b="1" dirty="0" smtClean="0">
+              <a:t>我記</a:t>
+            </a:r>
+            <a:r>
+              <a:rPr lang="zh-TW" altLang="en-US" sz="5400" b="1" dirty="0" smtClean="0">
+                <a:solidFill>
+                  <a:srgbClr val="000066"/>
+                </a:solidFill>
+                <a:latin typeface="微軟正黑體" pitchFamily="34" charset="-120"/>
+                <a:ea typeface="微軟正黑體" pitchFamily="34" charset="-120"/>
+              </a:rPr>
+              <a:t>念</a:t>
+            </a:r>
+            <a:r>
+              <a:rPr lang="zh-CN" altLang="en-US" sz="5400" b="1" dirty="0" smtClean="0">
+                <a:solidFill>
+                  <a:srgbClr val="000066"/>
+                </a:solidFill>
+                <a:latin typeface="微軟正黑體" pitchFamily="34" charset="-120"/>
+                <a:ea typeface="微軟正黑體" pitchFamily="34" charset="-120"/>
+              </a:rPr>
+              <a:t>袮</a:t>
+            </a:r>
+            <a:r>
+              <a:rPr lang="zh-TW" altLang="en-US" sz="5400" b="1" dirty="0" smtClean="0">
+                <a:solidFill>
+                  <a:srgbClr val="000066"/>
+                </a:solidFill>
+                <a:latin typeface="微軟正黑體" pitchFamily="34" charset="-120"/>
+                <a:ea typeface="微軟正黑體" pitchFamily="34" charset="-120"/>
+              </a:rPr>
+              <a:t>  </a:t>
+            </a:r>
+            <a:r>
+              <a:rPr lang="zh-TW" altLang="en-US" sz="5400" b="1" dirty="0">
+                <a:solidFill>
+                  <a:srgbClr val="000066"/>
+                </a:solidFill>
+                <a:latin typeface="微軟正黑體" pitchFamily="34" charset="-120"/>
+                <a:ea typeface="微軟正黑體" pitchFamily="34" charset="-120"/>
+              </a:rPr>
+              <a:t>親愛耶穌</a:t>
+            </a:r>
+            <a:endParaRPr lang="en-US" altLang="zh-TW" sz="5400" b="1" dirty="0">
               <a:solidFill>
                 <a:srgbClr val="000066"/>
               </a:solidFill>
@@ -3171,16 +3229,56 @@
               <a:buNone/>
             </a:pPr>
             <a:r>
-              <a:rPr lang="zh-TW" altLang="en-US" sz="5400" b="1" dirty="0" smtClean="0">
+              <a:rPr lang="zh-TW" altLang="en-US" sz="5400" b="1" dirty="0">
                 <a:solidFill>
                   <a:srgbClr val="000066"/>
                 </a:solidFill>
                 <a:latin typeface="微軟正黑體" pitchFamily="34" charset="-120"/>
                 <a:ea typeface="微軟正黑體" pitchFamily="34" charset="-120"/>
               </a:rPr>
-              <a:t>十架上你換回我生命</a:t>
-            </a:r>
-            <a:endParaRPr lang="en-US" altLang="zh-TW" sz="5400" b="1" dirty="0" smtClean="0">
+              <a:t>十架</a:t>
+            </a:r>
+            <a:r>
+              <a:rPr lang="zh-TW" altLang="en-US" sz="5400" b="1" dirty="0" smtClean="0">
+                <a:solidFill>
+                  <a:srgbClr val="000066"/>
+                </a:solidFill>
+                <a:latin typeface="微軟正黑體" pitchFamily="34" charset="-120"/>
+                <a:ea typeface="微軟正黑體" pitchFamily="34" charset="-120"/>
+              </a:rPr>
+              <a:t>上</a:t>
+            </a:r>
+            <a:r>
+              <a:rPr lang="zh-CN" altLang="en-US" sz="5400" b="1" dirty="0">
+                <a:solidFill>
+                  <a:srgbClr val="000066"/>
+                </a:solidFill>
+                <a:latin typeface="微軟正黑體" pitchFamily="34" charset="-120"/>
+                <a:ea typeface="微軟正黑體" pitchFamily="34" charset="-120"/>
+              </a:rPr>
+              <a:t>袮</a:t>
+            </a:r>
+            <a:r>
+              <a:rPr lang="zh-TW" altLang="en-US" sz="5400" b="1" dirty="0" smtClean="0">
+                <a:solidFill>
+                  <a:srgbClr val="000066"/>
+                </a:solidFill>
+                <a:latin typeface="微軟正黑體" pitchFamily="34" charset="-120"/>
+                <a:ea typeface="微軟正黑體" pitchFamily="34" charset="-120"/>
+              </a:rPr>
+              <a:t>換</a:t>
+            </a:r>
+            <a:r>
+              <a:rPr lang="zh-TW" altLang="en-US" sz="5400" b="1" dirty="0">
+                <a:solidFill>
+                  <a:srgbClr val="000066"/>
+                </a:solidFill>
+                <a:latin typeface="微軟正黑體" pitchFamily="34" charset="-120"/>
+                <a:ea typeface="微軟正黑體" pitchFamily="34" charset="-120"/>
+              </a:rPr>
+              <a:t>回我生命</a:t>
+            </a:r>
+            <a:endParaRPr lang="en-US" altLang="zh-TW" sz="5400" b="1" dirty="0">
               <a:solidFill>
                 <a:srgbClr val="000066"/>
               </a:solidFill>
@@ -3193,7 +3291,7 @@
               <a:buNone/>
             </a:pPr>
             <a:r>
-              <a:rPr lang="zh-TW" altLang="en-US" sz="5400" b="1" dirty="0" smtClean="0">
+              <a:rPr lang="zh-TW" altLang="en-US" sz="5400" b="1" dirty="0">
                 <a:solidFill>
                   <a:srgbClr val="000066"/>
                 </a:solidFill>
@@ -3249,11 +3347,13 @@
         </p:nvSpPr>
         <p:spPr/>
         <p:txBody>
-          <a:bodyPr/>
-          <a:lstStyle/>
-          <a:p>
-            <a:r>
-              <a:rPr lang="zh-CN" altLang="en-US" b="1" dirty="0" smtClean="0">
+          <a:bodyPr>
+            <a:normAutofit/>
+          </a:bodyPr>
+          <a:lstStyle/>
+          <a:p>
+            <a:r>
+              <a:rPr lang="zh-CN" altLang="en-US" sz="4800" b="1" dirty="0">
                 <a:solidFill>
                   <a:srgbClr val="000066"/>
                 </a:solidFill>
@@ -3262,7 +3362,7 @@
               </a:rPr>
               <a:t>救贖的恩典</a:t>
             </a:r>
-            <a:endParaRPr lang="zh-TW" altLang="en-US" b="1" dirty="0">
+            <a:endParaRPr lang="zh-TW" altLang="en-US" sz="4800" b="1" dirty="0">
               <a:solidFill>
                 <a:srgbClr val="000066"/>
               </a:solidFill>
@@ -3293,7 +3393,7 @@
               <a:buNone/>
             </a:pPr>
             <a:r>
-              <a:rPr lang="zh-TW" altLang="en-US" sz="5400" b="1" dirty="0" smtClean="0">
+              <a:rPr lang="zh-TW" altLang="en-US" sz="5400" b="1" dirty="0">
                 <a:solidFill>
                   <a:srgbClr val="000066"/>
                 </a:solidFill>
@@ -3302,7 +3402,7 @@
               </a:rPr>
               <a:t>每當我拿起這杯</a:t>
             </a:r>
-            <a:endParaRPr lang="en-US" altLang="zh-TW" sz="5400" b="1" dirty="0" smtClean="0">
+            <a:endParaRPr lang="en-US" altLang="zh-TW" sz="5400" b="1" dirty="0">
               <a:solidFill>
                 <a:srgbClr val="000066"/>
               </a:solidFill>
@@ -3315,16 +3415,56 @@
               <a:buNone/>
             </a:pPr>
             <a:r>
-              <a:rPr lang="zh-TW" altLang="en-US" sz="5400" b="1" dirty="0" smtClean="0">
+              <a:rPr lang="zh-TW" altLang="en-US" sz="5400" b="1" dirty="0">
                 <a:solidFill>
                   <a:srgbClr val="000066"/>
                 </a:solidFill>
                 <a:latin typeface="微軟正黑體" pitchFamily="34" charset="-120"/>
                 <a:ea typeface="微軟正黑體" pitchFamily="34" charset="-120"/>
               </a:rPr>
-              <a:t>我感謝你  我的耶穌</a:t>
-            </a:r>
-            <a:endParaRPr lang="en-US" altLang="zh-TW" sz="5400" b="1" dirty="0" smtClean="0">
+              <a:t>我感</a:t>
+            </a:r>
+            <a:r>
+              <a:rPr lang="zh-TW" altLang="en-US" sz="5400" b="1" dirty="0" smtClean="0">
+                <a:solidFill>
+                  <a:srgbClr val="000066"/>
+                </a:solidFill>
+                <a:latin typeface="微軟正黑體" pitchFamily="34" charset="-120"/>
+                <a:ea typeface="微軟正黑體" pitchFamily="34" charset="-120"/>
+              </a:rPr>
+              <a:t>謝</a:t>
+            </a:r>
+            <a:r>
+              <a:rPr lang="zh-CN" altLang="en-US" sz="5400" b="1" dirty="0" smtClean="0">
+                <a:solidFill>
+                  <a:srgbClr val="000066"/>
+                </a:solidFill>
+                <a:latin typeface="微軟正黑體" pitchFamily="34" charset="-120"/>
+                <a:ea typeface="微軟正黑體" pitchFamily="34" charset="-120"/>
+              </a:rPr>
+              <a:t>袮  </a:t>
+            </a:r>
+            <a:r>
+              <a:rPr lang="zh-TW" altLang="en-US" sz="5400" b="1" dirty="0" smtClean="0">
+                <a:solidFill>
+                  <a:srgbClr val="000066"/>
+                </a:solidFill>
+                <a:latin typeface="微軟正黑體" pitchFamily="34" charset="-120"/>
+                <a:ea typeface="微軟正黑體" pitchFamily="34" charset="-120"/>
+              </a:rPr>
+              <a:t>我</a:t>
+            </a:r>
+            <a:r>
+              <a:rPr lang="zh-TW" altLang="en-US" sz="5400" b="1" dirty="0">
+                <a:solidFill>
+                  <a:srgbClr val="000066"/>
+                </a:solidFill>
+                <a:latin typeface="微軟正黑體" pitchFamily="34" charset="-120"/>
+                <a:ea typeface="微軟正黑體" pitchFamily="34" charset="-120"/>
+              </a:rPr>
+              <a:t>的耶穌</a:t>
+            </a:r>
+            <a:endParaRPr lang="en-US" altLang="zh-TW" sz="5400" b="1" dirty="0">
               <a:solidFill>
                 <a:srgbClr val="000066"/>
               </a:solidFill>
@@ -3337,16 +3477,36 @@
               <a:buNone/>
             </a:pPr>
             <a:r>
-              <a:rPr lang="zh-TW" altLang="en-US" sz="5400" b="1" dirty="0" smtClean="0">
+              <a:rPr lang="zh-CN" altLang="en-US" sz="5400" b="1" dirty="0">
                 <a:solidFill>
                   <a:srgbClr val="000066"/>
                 </a:solidFill>
                 <a:latin typeface="微軟正黑體" pitchFamily="34" charset="-120"/>
                 <a:ea typeface="微軟正黑體" pitchFamily="34" charset="-120"/>
               </a:rPr>
-              <a:t>你寶血洗淨我的罪</a:t>
-            </a:r>
-            <a:endParaRPr lang="en-US" altLang="zh-TW" sz="5400" b="1" dirty="0" smtClean="0">
+              <a:t>袮</a:t>
+            </a:r>
+            <a:r>
+              <a:rPr lang="zh-TW" altLang="en-US" sz="5400" b="1" dirty="0" smtClean="0">
+                <a:solidFill>
+                  <a:srgbClr val="000066"/>
+                </a:solidFill>
+                <a:latin typeface="微軟正黑體" pitchFamily="34" charset="-120"/>
+                <a:ea typeface="微軟正黑體" pitchFamily="34" charset="-120"/>
+              </a:rPr>
+              <a:t>寶</a:t>
+            </a:r>
+            <a:r>
+              <a:rPr lang="zh-TW" altLang="en-US" sz="5400" b="1" dirty="0">
+                <a:solidFill>
+                  <a:srgbClr val="000066"/>
+                </a:solidFill>
+                <a:latin typeface="微軟正黑體" pitchFamily="34" charset="-120"/>
+                <a:ea typeface="微軟正黑體" pitchFamily="34" charset="-120"/>
+              </a:rPr>
+              <a:t>血洗淨我的罪</a:t>
+            </a:r>
+            <a:endParaRPr lang="en-US" altLang="zh-TW" sz="5400" b="1" dirty="0">
               <a:solidFill>
                 <a:srgbClr val="000066"/>
               </a:solidFill>
@@ -3359,7 +3519,7 @@
               <a:buNone/>
             </a:pPr>
             <a:r>
-              <a:rPr lang="zh-TW" altLang="en-US" sz="5400" b="1" dirty="0" smtClean="0">
+              <a:rPr lang="zh-TW" altLang="en-US" sz="5400" b="1" dirty="0">
                 <a:solidFill>
                   <a:srgbClr val="000066"/>
                 </a:solidFill>
@@ -3415,11 +3575,13 @@
         </p:nvSpPr>
         <p:spPr/>
         <p:txBody>
-          <a:bodyPr/>
-          <a:lstStyle/>
-          <a:p>
-            <a:r>
-              <a:rPr lang="zh-CN" altLang="en-US" b="1" dirty="0" smtClean="0">
+          <a:bodyPr>
+            <a:normAutofit/>
+          </a:bodyPr>
+          <a:lstStyle/>
+          <a:p>
+            <a:r>
+              <a:rPr lang="zh-CN" altLang="en-US" sz="4800" b="1" dirty="0">
                 <a:solidFill>
                   <a:srgbClr val="000066"/>
                 </a:solidFill>
@@ -3428,7 +3590,7 @@
               </a:rPr>
               <a:t>救贖的恩典</a:t>
             </a:r>
-            <a:endParaRPr lang="zh-TW" altLang="en-US" b="1" dirty="0">
+            <a:endParaRPr lang="zh-TW" altLang="en-US" sz="4800" b="1" dirty="0">
               <a:solidFill>
                 <a:srgbClr val="000066"/>
               </a:solidFill>
@@ -3450,7 +3612,7 @@
         </p:nvSpPr>
         <p:spPr>
           <a:xfrm>
-            <a:off x="457200" y="1600200"/>
+            <a:off x="1981200" y="1600200"/>
             <a:ext cx="8229600" cy="5257800"/>
           </a:xfrm>
         </p:spPr>
@@ -3464,16 +3626,56 @@
               <a:buNone/>
             </a:pPr>
             <a:r>
-              <a:rPr lang="zh-TW" altLang="en-US" sz="5400" b="1" dirty="0" smtClean="0">
+              <a:rPr lang="zh-TW" altLang="en-US" sz="5400" b="1" dirty="0">
                 <a:solidFill>
                   <a:srgbClr val="000066"/>
                 </a:solidFill>
                 <a:latin typeface="微軟正黑體" pitchFamily="34" charset="-120"/>
                 <a:ea typeface="微軟正黑體" pitchFamily="34" charset="-120"/>
               </a:rPr>
-              <a:t>謝謝你為我死在十架上</a:t>
-            </a:r>
-            <a:endParaRPr lang="en-US" altLang="zh-TW" sz="5400" b="1" dirty="0" smtClean="0">
+              <a:t>謝</a:t>
+            </a:r>
+            <a:r>
+              <a:rPr lang="zh-TW" altLang="en-US" sz="5400" b="1" dirty="0" smtClean="0">
+                <a:solidFill>
+                  <a:srgbClr val="000066"/>
+                </a:solidFill>
+                <a:latin typeface="微軟正黑體" pitchFamily="34" charset="-120"/>
+                <a:ea typeface="微軟正黑體" pitchFamily="34" charset="-120"/>
+              </a:rPr>
+              <a:t>謝</a:t>
+            </a:r>
+            <a:r>
+              <a:rPr lang="zh-CN" altLang="en-US" sz="5400" b="1" dirty="0">
+                <a:solidFill>
+                  <a:srgbClr val="000066"/>
+                </a:solidFill>
+                <a:latin typeface="微軟正黑體" pitchFamily="34" charset="-120"/>
+                <a:ea typeface="微軟正黑體" pitchFamily="34" charset="-120"/>
+              </a:rPr>
+              <a:t>袮</a:t>
+            </a:r>
+            <a:r>
+              <a:rPr lang="zh-TW" altLang="en-US" sz="5400" b="1" dirty="0" smtClean="0">
+                <a:solidFill>
+                  <a:srgbClr val="000066"/>
+                </a:solidFill>
+                <a:latin typeface="微軟正黑體" pitchFamily="34" charset="-120"/>
+                <a:ea typeface="微軟正黑體" pitchFamily="34" charset="-120"/>
+              </a:rPr>
+              <a:t>為</a:t>
+            </a:r>
+            <a:r>
+              <a:rPr lang="zh-TW" altLang="en-US" sz="5400" b="1" dirty="0">
+                <a:solidFill>
+                  <a:srgbClr val="000066"/>
+                </a:solidFill>
+                <a:latin typeface="微軟正黑體" pitchFamily="34" charset="-120"/>
+                <a:ea typeface="微軟正黑體" pitchFamily="34" charset="-120"/>
+              </a:rPr>
+              <a:t>我死在十架上</a:t>
+            </a:r>
+            <a:endParaRPr lang="en-US" altLang="zh-TW" sz="5400" b="1" dirty="0">
               <a:solidFill>
                 <a:srgbClr val="000066"/>
               </a:solidFill>
@@ -3486,7 +3688,7 @@
               <a:buNone/>
             </a:pPr>
             <a:r>
-              <a:rPr lang="zh-TW" altLang="en-US" sz="5400" b="1" dirty="0" smtClean="0">
+              <a:rPr lang="zh-TW" altLang="en-US" sz="5400" b="1" dirty="0">
                 <a:solidFill>
                   <a:srgbClr val="000066"/>
                 </a:solidFill>
@@ -3495,7 +3697,7 @@
               </a:rPr>
               <a:t>破碎的生命得以完全</a:t>
             </a:r>
-            <a:endParaRPr lang="en-US" altLang="zh-TW" sz="5400" b="1" dirty="0" smtClean="0">
+            <a:endParaRPr lang="en-US" altLang="zh-TW" sz="5400" b="1" dirty="0">
               <a:solidFill>
                 <a:srgbClr val="000066"/>
               </a:solidFill>
@@ -3508,7 +3710,7 @@
               <a:buNone/>
             </a:pPr>
             <a:r>
-              <a:rPr lang="zh-TW" altLang="en-US" sz="5400" b="1" dirty="0" smtClean="0">
+              <a:rPr lang="zh-TW" altLang="en-US" sz="5400" b="1" dirty="0">
                 <a:solidFill>
                   <a:srgbClr val="000066"/>
                 </a:solidFill>
@@ -3517,7 +3719,7 @@
               </a:rPr>
               <a:t>我感恩  我敬拜</a:t>
             </a:r>
-            <a:endParaRPr lang="en-US" altLang="zh-TW" sz="5400" b="1" dirty="0" smtClean="0">
+            <a:endParaRPr lang="en-US" altLang="zh-TW" sz="5400" b="1" dirty="0">
               <a:solidFill>
                 <a:srgbClr val="000066"/>
               </a:solidFill>
@@ -3530,7 +3732,7 @@
               <a:buNone/>
             </a:pPr>
             <a:r>
-              <a:rPr lang="zh-TW" altLang="en-US" sz="5400" b="1" dirty="0" smtClean="0">
+              <a:rPr lang="zh-TW" altLang="en-US" sz="5400" b="1" dirty="0">
                 <a:solidFill>
                   <a:srgbClr val="000066"/>
                 </a:solidFill>
@@ -3539,7 +3741,7 @@
               </a:rPr>
               <a:t>得醫治  得自由</a:t>
             </a:r>
-            <a:endParaRPr lang="en-US" altLang="zh-TW" sz="5400" b="1" dirty="0" smtClean="0">
+            <a:endParaRPr lang="en-US" altLang="zh-TW" sz="5400" b="1" dirty="0">
               <a:solidFill>
                 <a:srgbClr val="000066"/>
               </a:solidFill>
@@ -3552,14 +3754,54 @@
               <a:buNone/>
             </a:pPr>
             <a:r>
-              <a:rPr lang="zh-TW" altLang="en-US" sz="5400" b="1" dirty="0" smtClean="0">
+              <a:rPr lang="zh-TW" altLang="en-US" sz="5400" b="1" dirty="0">
                 <a:solidFill>
                   <a:srgbClr val="000066"/>
                 </a:solidFill>
                 <a:latin typeface="微軟正黑體" pitchFamily="34" charset="-120"/>
                 <a:ea typeface="微軟正黑體" pitchFamily="34" charset="-120"/>
               </a:rPr>
-              <a:t>都因你那救贖的恩典</a:t>
+              <a:t>都</a:t>
+            </a:r>
+            <a:r>
+              <a:rPr lang="zh-TW" altLang="en-US" sz="5400" b="1" dirty="0" smtClean="0">
+                <a:solidFill>
+                  <a:srgbClr val="000066"/>
+                </a:solidFill>
+                <a:latin typeface="微軟正黑體" pitchFamily="34" charset="-120"/>
+                <a:ea typeface="微軟正黑體" pitchFamily="34" charset="-120"/>
+              </a:rPr>
+              <a:t>因</a:t>
+            </a:r>
+            <a:r>
+              <a:rPr lang="zh-CN" altLang="en-US" sz="5400" b="1" dirty="0">
+                <a:solidFill>
+                  <a:srgbClr val="000066"/>
+                </a:solidFill>
+                <a:latin typeface="微軟正黑體" pitchFamily="34" charset="-120"/>
+                <a:ea typeface="微軟正黑體" pitchFamily="34" charset="-120"/>
+              </a:rPr>
+              <a:t>袮</a:t>
+            </a:r>
+            <a:r>
+              <a:rPr lang="zh-TW" altLang="en-US" sz="5400" b="1" dirty="0" smtClean="0">
+                <a:solidFill>
+                  <a:srgbClr val="000066"/>
+                </a:solidFill>
+                <a:latin typeface="微軟正黑體" pitchFamily="34" charset="-120"/>
+                <a:ea typeface="微軟正黑體" pitchFamily="34" charset="-120"/>
+              </a:rPr>
+              <a:t>那</a:t>
+            </a:r>
+            <a:r>
+              <a:rPr lang="zh-TW" altLang="en-US" sz="5400" b="1" dirty="0">
+                <a:solidFill>
+                  <a:srgbClr val="000066"/>
+                </a:solidFill>
+                <a:latin typeface="微軟正黑體" pitchFamily="34" charset="-120"/>
+                <a:ea typeface="微軟正黑體" pitchFamily="34" charset="-120"/>
+              </a:rPr>
+              <a:t>救贖的恩典</a:t>
             </a:r>
             <a:endParaRPr lang="zh-TW" altLang="en-US" sz="5400" b="1" dirty="0">
               <a:solidFill>
@@ -3608,11 +3850,13 @@
         </p:nvSpPr>
         <p:spPr/>
         <p:txBody>
-          <a:bodyPr/>
-          <a:lstStyle/>
-          <a:p>
-            <a:r>
-              <a:rPr lang="zh-CN" altLang="en-US" b="1" dirty="0" smtClean="0">
+          <a:bodyPr>
+            <a:normAutofit/>
+          </a:bodyPr>
+          <a:lstStyle/>
+          <a:p>
+            <a:r>
+              <a:rPr lang="zh-CN" altLang="en-US" sz="4800" b="1" dirty="0">
                 <a:solidFill>
                   <a:srgbClr val="000066"/>
                 </a:solidFill>
@@ -3621,7 +3865,7 @@
               </a:rPr>
               <a:t>救贖的恩典</a:t>
             </a:r>
-            <a:endParaRPr lang="zh-TW" altLang="en-US" b="1" dirty="0">
+            <a:endParaRPr lang="zh-TW" altLang="en-US" sz="4800" b="1" dirty="0">
               <a:solidFill>
                 <a:srgbClr val="000066"/>
               </a:solidFill>
@@ -3643,7 +3887,7 @@
         </p:nvSpPr>
         <p:spPr>
           <a:xfrm>
-            <a:off x="457200" y="1600200"/>
+            <a:off x="1981200" y="1600200"/>
             <a:ext cx="8229600" cy="5257800"/>
           </a:xfrm>
         </p:spPr>
@@ -3657,7 +3901,7 @@
               <a:buNone/>
             </a:pPr>
             <a:r>
-              <a:rPr lang="zh-CN" altLang="en-US" sz="5400" b="1" dirty="0" smtClean="0">
+              <a:rPr lang="zh-CN" altLang="en-US" sz="5400" b="1" dirty="0">
                 <a:solidFill>
                   <a:srgbClr val="000066"/>
                 </a:solidFill>
@@ -3666,7 +3910,7 @@
               </a:rPr>
               <a:t>永遠與罪隔離</a:t>
             </a:r>
-            <a:endParaRPr lang="en-US" altLang="zh-CN" sz="5400" b="1" dirty="0" smtClean="0">
+            <a:endParaRPr lang="en-US" altLang="zh-CN" sz="5400" b="1" dirty="0">
               <a:solidFill>
                 <a:srgbClr val="000066"/>
               </a:solidFill>
@@ -3679,7 +3923,7 @@
               <a:buNone/>
             </a:pPr>
             <a:r>
-              <a:rPr lang="zh-CN" altLang="en-US" sz="5400" b="1" dirty="0" smtClean="0">
+              <a:rPr lang="zh-CN" altLang="en-US" sz="5400" b="1" dirty="0">
                 <a:solidFill>
                   <a:srgbClr val="000066"/>
                 </a:solidFill>
@@ -3688,7 +3932,7 @@
               </a:rPr>
               <a:t>永遠與罪隔離</a:t>
             </a:r>
-            <a:endParaRPr lang="zh-TW" altLang="en-US" sz="5400" b="1" dirty="0" smtClean="0">
+            <a:endParaRPr lang="zh-TW" altLang="en-US" sz="5400" b="1" dirty="0">
               <a:solidFill>
                 <a:srgbClr val="000066"/>
               </a:solidFill>
@@ -3701,7 +3945,7 @@
               <a:buNone/>
             </a:pPr>
             <a:r>
-              <a:rPr lang="zh-CN" altLang="en-US" sz="5400" b="1" dirty="0" smtClean="0">
+              <a:rPr lang="zh-CN" altLang="en-US" sz="5400" b="1" dirty="0">
                 <a:solidFill>
                   <a:srgbClr val="000066"/>
                 </a:solidFill>
@@ -3710,7 +3954,7 @@
               </a:rPr>
               <a:t>被贖教會  洗得清潔</a:t>
             </a:r>
-            <a:endParaRPr lang="en-US" altLang="zh-CN" sz="5400" b="1" dirty="0" smtClean="0">
+            <a:endParaRPr lang="en-US" altLang="zh-CN" sz="5400" b="1" dirty="0">
               <a:solidFill>
                 <a:srgbClr val="000066"/>
               </a:solidFill>
@@ -3723,7 +3967,7 @@
               <a:buNone/>
             </a:pPr>
             <a:r>
-              <a:rPr lang="zh-CN" altLang="en-US" sz="5400" b="1" dirty="0" smtClean="0">
+              <a:rPr lang="zh-CN" altLang="en-US" sz="5400" b="1" dirty="0">
                 <a:solidFill>
                   <a:srgbClr val="000066"/>
                 </a:solidFill>
@@ -3732,7 +3976,7 @@
               </a:rPr>
               <a:t>永遠與罪隔離</a:t>
             </a:r>
-            <a:endParaRPr lang="zh-TW" altLang="en-US" sz="5400" b="1" dirty="0" smtClean="0">
+            <a:endParaRPr lang="zh-TW" altLang="en-US" sz="5400" b="1" dirty="0">
               <a:solidFill>
                 <a:srgbClr val="000066"/>
               </a:solidFill>

--- a/救贖的恩典(崇拜版).pptx
+++ b/救贖的恩典(崇拜版).pptx
@@ -5,10 +5,15 @@
     <p:sldMasterId id="2147483660" r:id="rId1"/>
   </p:sldMasterIdLst>
   <p:sldIdLst>
-    <p:sldId id="256" r:id="rId2"/>
-    <p:sldId id="263" r:id="rId3"/>
-    <p:sldId id="264" r:id="rId4"/>
-    <p:sldId id="265" r:id="rId5"/>
+    <p:sldId id="266" r:id="rId2"/>
+    <p:sldId id="267" r:id="rId3"/>
+    <p:sldId id="268" r:id="rId4"/>
+    <p:sldId id="269" r:id="rId5"/>
+    <p:sldId id="270" r:id="rId6"/>
+    <p:sldId id="271" r:id="rId7"/>
+    <p:sldId id="272" r:id="rId8"/>
+    <p:sldId id="273" r:id="rId9"/>
+    <p:sldId id="274" r:id="rId10"/>
   </p:sldIdLst>
   <p:sldSz cx="12192000" cy="6858000"/>
   <p:notesSz cx="6858000" cy="9144000"/>
@@ -308,7 +313,7 @@
             <a:fld id="{DF646D27-C028-49C8-A06E-0469BE7D3348}" type="datetimeFigureOut">
               <a:rPr lang="zh-TW" altLang="en-US" smtClean="0"/>
               <a:pPr/>
-              <a:t>2020/6/6</a:t>
+              <a:t>2021/4/3</a:t>
             </a:fld>
             <a:endParaRPr lang="zh-TW" altLang="en-US"/>
           </a:p>
@@ -475,7 +480,7 @@
             <a:fld id="{DF646D27-C028-49C8-A06E-0469BE7D3348}" type="datetimeFigureOut">
               <a:rPr lang="zh-TW" altLang="en-US" smtClean="0"/>
               <a:pPr/>
-              <a:t>2020/6/6</a:t>
+              <a:t>2021/4/3</a:t>
             </a:fld>
             <a:endParaRPr lang="zh-TW" altLang="en-US"/>
           </a:p>
@@ -652,7 +657,7 @@
             <a:fld id="{DF646D27-C028-49C8-A06E-0469BE7D3348}" type="datetimeFigureOut">
               <a:rPr lang="zh-TW" altLang="en-US" smtClean="0"/>
               <a:pPr/>
-              <a:t>2020/6/6</a:t>
+              <a:t>2021/4/3</a:t>
             </a:fld>
             <a:endParaRPr lang="zh-TW" altLang="en-US"/>
           </a:p>
@@ -819,7 +824,7 @@
             <a:fld id="{DF646D27-C028-49C8-A06E-0469BE7D3348}" type="datetimeFigureOut">
               <a:rPr lang="zh-TW" altLang="en-US" smtClean="0"/>
               <a:pPr/>
-              <a:t>2020/6/6</a:t>
+              <a:t>2021/4/3</a:t>
             </a:fld>
             <a:endParaRPr lang="zh-TW" altLang="en-US"/>
           </a:p>
@@ -1062,7 +1067,7 @@
             <a:fld id="{DF646D27-C028-49C8-A06E-0469BE7D3348}" type="datetimeFigureOut">
               <a:rPr lang="zh-TW" altLang="en-US" smtClean="0"/>
               <a:pPr/>
-              <a:t>2020/6/6</a:t>
+              <a:t>2021/4/3</a:t>
             </a:fld>
             <a:endParaRPr lang="zh-TW" altLang="en-US"/>
           </a:p>
@@ -1347,7 +1352,7 @@
             <a:fld id="{DF646D27-C028-49C8-A06E-0469BE7D3348}" type="datetimeFigureOut">
               <a:rPr lang="zh-TW" altLang="en-US" smtClean="0"/>
               <a:pPr/>
-              <a:t>2020/6/6</a:t>
+              <a:t>2021/4/3</a:t>
             </a:fld>
             <a:endParaRPr lang="zh-TW" altLang="en-US"/>
           </a:p>
@@ -1766,7 +1771,7 @@
             <a:fld id="{DF646D27-C028-49C8-A06E-0469BE7D3348}" type="datetimeFigureOut">
               <a:rPr lang="zh-TW" altLang="en-US" smtClean="0"/>
               <a:pPr/>
-              <a:t>2020/6/6</a:t>
+              <a:t>2021/4/3</a:t>
             </a:fld>
             <a:endParaRPr lang="zh-TW" altLang="en-US"/>
           </a:p>
@@ -1881,7 +1886,7 @@
             <a:fld id="{DF646D27-C028-49C8-A06E-0469BE7D3348}" type="datetimeFigureOut">
               <a:rPr lang="zh-TW" altLang="en-US" smtClean="0"/>
               <a:pPr/>
-              <a:t>2020/6/6</a:t>
+              <a:t>2021/4/3</a:t>
             </a:fld>
             <a:endParaRPr lang="zh-TW" altLang="en-US"/>
           </a:p>
@@ -1973,7 +1978,7 @@
             <a:fld id="{DF646D27-C028-49C8-A06E-0469BE7D3348}" type="datetimeFigureOut">
               <a:rPr lang="zh-TW" altLang="en-US" smtClean="0"/>
               <a:pPr/>
-              <a:t>2020/6/6</a:t>
+              <a:t>2021/4/3</a:t>
             </a:fld>
             <a:endParaRPr lang="zh-TW" altLang="en-US"/>
           </a:p>
@@ -2247,7 +2252,7 @@
             <a:fld id="{DF646D27-C028-49C8-A06E-0469BE7D3348}" type="datetimeFigureOut">
               <a:rPr lang="zh-TW" altLang="en-US" smtClean="0"/>
               <a:pPr/>
-              <a:t>2020/6/6</a:t>
+              <a:t>2021/4/3</a:t>
             </a:fld>
             <a:endParaRPr lang="zh-TW" altLang="en-US"/>
           </a:p>
@@ -2501,7 +2506,7 @@
             <a:fld id="{DF646D27-C028-49C8-A06E-0469BE7D3348}" type="datetimeFigureOut">
               <a:rPr lang="zh-TW" altLang="en-US" smtClean="0"/>
               <a:pPr/>
-              <a:t>2020/6/6</a:t>
+              <a:t>2021/4/3</a:t>
             </a:fld>
             <a:endParaRPr lang="zh-TW" altLang="en-US"/>
           </a:p>
@@ -2716,7 +2721,7 @@
             <a:fld id="{DF646D27-C028-49C8-A06E-0469BE7D3348}" type="datetimeFigureOut">
               <a:rPr lang="zh-TW" altLang="en-US" smtClean="0"/>
               <a:pPr/>
-              <a:t>2020/6/6</a:t>
+              <a:t>2021/4/3</a:t>
             </a:fld>
             <a:endParaRPr lang="zh-TW" altLang="en-US"/>
           </a:p>
@@ -3097,220 +3102,75 @@
             <p:ph type="title"/>
           </p:nvPr>
         </p:nvSpPr>
-        <p:spPr/>
+        <p:spPr>
+          <a:xfrm>
+            <a:off x="0" y="2756925"/>
+            <a:ext cx="12192000" cy="1143000"/>
+          </a:xfrm>
+        </p:spPr>
         <p:txBody>
           <a:bodyPr>
-            <a:normAutofit/>
+            <a:noAutofit/>
           </a:bodyPr>
           <a:lstStyle/>
           <a:p>
             <a:r>
-              <a:rPr lang="zh-CN" altLang="en-US" sz="4800" b="1" dirty="0" smtClean="0">
+              <a:rPr lang="zh-CN" altLang="en-US" sz="7200" b="1" i="1" dirty="0">
                 <a:solidFill>
                   <a:srgbClr val="000066"/>
                 </a:solidFill>
+                <a:effectLst>
+                  <a:outerShdw blurRad="38100" dist="38100" dir="2700000" algn="tl">
+                    <a:srgbClr val="000000">
+                      <a:alpha val="43137"/>
+                    </a:srgbClr>
+                  </a:outerShdw>
+                </a:effectLst>
                 <a:latin typeface="微軟正黑體" pitchFamily="34" charset="-120"/>
                 <a:ea typeface="微軟正黑體" pitchFamily="34" charset="-120"/>
               </a:rPr>
-              <a:t>救贖的恩典</a:t>
-            </a:r>
-            <a:endParaRPr lang="zh-TW" altLang="en-US" sz="4800" b="1" dirty="0">
+              <a:t>救</a:t>
+            </a:r>
+            <a:r>
+              <a:rPr lang="zh-CN" altLang="en-US" sz="7200" b="1" i="1" dirty="0">
+                <a:solidFill>
+                  <a:srgbClr val="000066"/>
+                </a:solidFill>
+                <a:effectLst>
+                  <a:outerShdw blurRad="38100" dist="38100" dir="2700000" algn="tl">
+                    <a:srgbClr val="000000">
+                      <a:alpha val="43137"/>
+                    </a:srgbClr>
+                  </a:outerShdw>
+                </a:effectLst>
+                <a:latin typeface="微軟正黑體" pitchFamily="34" charset="-120"/>
+                <a:ea typeface="微軟正黑體" pitchFamily="34" charset="-120"/>
+              </a:rPr>
+              <a:t>贖的恩典</a:t>
+            </a:r>
+            <a:endParaRPr lang="zh-TW" altLang="en-US" sz="7200" b="1" i="1" dirty="0">
               <a:solidFill>
                 <a:srgbClr val="000066"/>
               </a:solidFill>
+              <a:effectLst>
+                <a:outerShdw blurRad="38100" dist="38100" dir="2700000" algn="tl">
+                  <a:srgbClr val="000000">
+                    <a:alpha val="43137"/>
+                  </a:srgbClr>
+                </a:outerShdw>
+              </a:effectLst>
               <a:latin typeface="微軟正黑體" pitchFamily="34" charset="-120"/>
               <a:ea typeface="微軟正黑體" pitchFamily="34" charset="-120"/>
             </a:endParaRPr>
           </a:p>
         </p:txBody>
       </p:sp>
-      <p:sp>
-        <p:nvSpPr>
-          <p:cNvPr id="5" name="內容版面配置區 4"/>
-          <p:cNvSpPr>
-            <a:spLocks noGrp="1"/>
-          </p:cNvSpPr>
-          <p:nvPr>
-            <p:ph idx="1"/>
-          </p:nvPr>
-        </p:nvSpPr>
-        <p:spPr/>
-        <p:txBody>
-          <a:bodyPr>
-            <a:normAutofit/>
-          </a:bodyPr>
-          <a:lstStyle/>
-          <a:p>
-            <a:pPr algn="ctr">
-              <a:buNone/>
-            </a:pPr>
-            <a:r>
-              <a:rPr lang="zh-TW" altLang="en-US" sz="5400" b="1" dirty="0">
-                <a:solidFill>
-                  <a:srgbClr val="000066"/>
-                </a:solidFill>
-                <a:latin typeface="微軟正黑體" pitchFamily="34" charset="-120"/>
-                <a:ea typeface="微軟正黑體" pitchFamily="34" charset="-120"/>
-              </a:rPr>
-              <a:t>每當我拿起這餅</a:t>
-            </a:r>
-            <a:endParaRPr lang="en-US" altLang="zh-TW" sz="5400" b="1" dirty="0">
-              <a:solidFill>
-                <a:srgbClr val="000066"/>
-              </a:solidFill>
-              <a:latin typeface="微軟正黑體" pitchFamily="34" charset="-120"/>
-              <a:ea typeface="微軟正黑體" pitchFamily="34" charset="-120"/>
-            </a:endParaRPr>
-          </a:p>
-          <a:p>
-            <a:pPr algn="ctr">
-              <a:buNone/>
-            </a:pPr>
-            <a:r>
-              <a:rPr lang="zh-TW" altLang="en-US" sz="5400" b="1" dirty="0">
-                <a:solidFill>
-                  <a:srgbClr val="000066"/>
-                </a:solidFill>
-                <a:latin typeface="微軟正黑體" pitchFamily="34" charset="-120"/>
-                <a:ea typeface="微軟正黑體" pitchFamily="34" charset="-120"/>
-              </a:rPr>
-              <a:t>我記</a:t>
-            </a:r>
-            <a:r>
-              <a:rPr lang="zh-TW" altLang="en-US" sz="5400" b="1" dirty="0" smtClean="0">
-                <a:solidFill>
-                  <a:srgbClr val="000066"/>
-                </a:solidFill>
-                <a:latin typeface="微軟正黑體" pitchFamily="34" charset="-120"/>
-                <a:ea typeface="微軟正黑體" pitchFamily="34" charset="-120"/>
-              </a:rPr>
-              <a:t>念</a:t>
-            </a:r>
-            <a:r>
-              <a:rPr lang="zh-CN" altLang="en-US" sz="5400" b="1" dirty="0" smtClean="0">
-                <a:solidFill>
-                  <a:srgbClr val="000066"/>
-                </a:solidFill>
-                <a:latin typeface="微軟正黑體" pitchFamily="34" charset="-120"/>
-                <a:ea typeface="微軟正黑體" pitchFamily="34" charset="-120"/>
-              </a:rPr>
-              <a:t>袮</a:t>
-            </a:r>
-            <a:r>
-              <a:rPr lang="zh-TW" altLang="en-US" sz="5400" b="1" dirty="0" smtClean="0">
-                <a:solidFill>
-                  <a:srgbClr val="000066"/>
-                </a:solidFill>
-                <a:latin typeface="微軟正黑體" pitchFamily="34" charset="-120"/>
-                <a:ea typeface="微軟正黑體" pitchFamily="34" charset="-120"/>
-              </a:rPr>
-              <a:t>  </a:t>
-            </a:r>
-            <a:r>
-              <a:rPr lang="zh-TW" altLang="en-US" sz="5400" b="1" dirty="0">
-                <a:solidFill>
-                  <a:srgbClr val="000066"/>
-                </a:solidFill>
-                <a:latin typeface="微軟正黑體" pitchFamily="34" charset="-120"/>
-                <a:ea typeface="微軟正黑體" pitchFamily="34" charset="-120"/>
-              </a:rPr>
-              <a:t>親愛耶穌</a:t>
-            </a:r>
-            <a:endParaRPr lang="en-US" altLang="zh-TW" sz="5400" b="1" dirty="0">
-              <a:solidFill>
-                <a:srgbClr val="000066"/>
-              </a:solidFill>
-              <a:latin typeface="微軟正黑體" pitchFamily="34" charset="-120"/>
-              <a:ea typeface="微軟正黑體" pitchFamily="34" charset="-120"/>
-            </a:endParaRPr>
-          </a:p>
-          <a:p>
-            <a:pPr algn="ctr">
-              <a:buNone/>
-            </a:pPr>
-            <a:r>
-              <a:rPr lang="zh-TW" altLang="en-US" sz="5400" b="1" dirty="0">
-                <a:solidFill>
-                  <a:srgbClr val="000066"/>
-                </a:solidFill>
-                <a:latin typeface="微軟正黑體" pitchFamily="34" charset="-120"/>
-                <a:ea typeface="微軟正黑體" pitchFamily="34" charset="-120"/>
-              </a:rPr>
-              <a:t>十架</a:t>
-            </a:r>
-            <a:r>
-              <a:rPr lang="zh-TW" altLang="en-US" sz="5400" b="1" dirty="0" smtClean="0">
-                <a:solidFill>
-                  <a:srgbClr val="000066"/>
-                </a:solidFill>
-                <a:latin typeface="微軟正黑體" pitchFamily="34" charset="-120"/>
-                <a:ea typeface="微軟正黑體" pitchFamily="34" charset="-120"/>
-              </a:rPr>
-              <a:t>上</a:t>
-            </a:r>
-            <a:r>
-              <a:rPr lang="zh-CN" altLang="en-US" sz="5400" b="1" dirty="0">
-                <a:solidFill>
-                  <a:srgbClr val="000066"/>
-                </a:solidFill>
-                <a:latin typeface="微軟正黑體" pitchFamily="34" charset="-120"/>
-                <a:ea typeface="微軟正黑體" pitchFamily="34" charset="-120"/>
-              </a:rPr>
-              <a:t>袮</a:t>
-            </a:r>
-            <a:r>
-              <a:rPr lang="zh-TW" altLang="en-US" sz="5400" b="1" dirty="0" smtClean="0">
-                <a:solidFill>
-                  <a:srgbClr val="000066"/>
-                </a:solidFill>
-                <a:latin typeface="微軟正黑體" pitchFamily="34" charset="-120"/>
-                <a:ea typeface="微軟正黑體" pitchFamily="34" charset="-120"/>
-              </a:rPr>
-              <a:t>換</a:t>
-            </a:r>
-            <a:r>
-              <a:rPr lang="zh-TW" altLang="en-US" sz="5400" b="1" dirty="0">
-                <a:solidFill>
-                  <a:srgbClr val="000066"/>
-                </a:solidFill>
-                <a:latin typeface="微軟正黑體" pitchFamily="34" charset="-120"/>
-                <a:ea typeface="微軟正黑體" pitchFamily="34" charset="-120"/>
-              </a:rPr>
-              <a:t>回我生命</a:t>
-            </a:r>
-            <a:endParaRPr lang="en-US" altLang="zh-TW" sz="5400" b="1" dirty="0">
-              <a:solidFill>
-                <a:srgbClr val="000066"/>
-              </a:solidFill>
-              <a:latin typeface="微軟正黑體" pitchFamily="34" charset="-120"/>
-              <a:ea typeface="微軟正黑體" pitchFamily="34" charset="-120"/>
-            </a:endParaRPr>
-          </a:p>
-          <a:p>
-            <a:pPr algn="ctr">
-              <a:buNone/>
-            </a:pPr>
-            <a:r>
-              <a:rPr lang="zh-TW" altLang="en-US" sz="5400" b="1" dirty="0">
-                <a:solidFill>
-                  <a:srgbClr val="000066"/>
-                </a:solidFill>
-                <a:latin typeface="微軟正黑體" pitchFamily="34" charset="-120"/>
-                <a:ea typeface="微軟正黑體" pitchFamily="34" charset="-120"/>
-              </a:rPr>
-              <a:t>使我回到天父面前</a:t>
-            </a:r>
-            <a:endParaRPr lang="zh-TW" altLang="en-US" sz="5400" b="1" dirty="0">
-              <a:solidFill>
-                <a:srgbClr val="000066"/>
-              </a:solidFill>
-              <a:latin typeface="微軟正黑體" pitchFamily="34" charset="-120"/>
-              <a:ea typeface="微軟正黑體" pitchFamily="34" charset="-120"/>
-            </a:endParaRPr>
-          </a:p>
-        </p:txBody>
-      </p:sp>
     </p:spTree>
+    <p:extLst>
+      <p:ext uri="{BB962C8B-B14F-4D97-AF65-F5344CB8AC3E}">
+        <p14:creationId xmlns:p14="http://schemas.microsoft.com/office/powerpoint/2010/main" val="4104773542"/>
+      </p:ext>
+    </p:extLst>
   </p:cSld>
   <p:clrMapOvr>
     <a:masterClrMapping/>
@@ -3337,32 +3197,40 @@
       </p:grpSpPr>
       <p:sp>
         <p:nvSpPr>
-          <p:cNvPr id="4" name="標題 3"/>
-          <p:cNvSpPr>
-            <a:spLocks noGrp="1"/>
-          </p:cNvSpPr>
-          <p:nvPr>
-            <p:ph type="title"/>
-          </p:nvPr>
-        </p:nvSpPr>
-        <p:spPr/>
-        <p:txBody>
-          <a:bodyPr>
+          <p:cNvPr id="5" name="內容版面配置區 4"/>
+          <p:cNvSpPr>
+            <a:spLocks noGrp="1"/>
+          </p:cNvSpPr>
+          <p:nvPr>
+            <p:ph idx="1"/>
+          </p:nvPr>
+        </p:nvSpPr>
+        <p:spPr>
+          <a:xfrm>
+            <a:off x="0" y="2084851"/>
+            <a:ext cx="12192000" cy="2404863"/>
+          </a:xfrm>
+        </p:spPr>
+        <p:txBody>
+          <a:bodyPr anchor="ctr">
             <a:normAutofit/>
           </a:bodyPr>
           <a:lstStyle/>
           <a:p>
-            <a:r>
-              <a:rPr lang="zh-CN" altLang="en-US" sz="4800" b="1" dirty="0">
+            <a:pPr algn="ctr">
+              <a:buNone/>
+            </a:pPr>
+            <a:r>
+              <a:rPr lang="zh-TW" altLang="en-US" sz="6400" b="1" dirty="0">
                 <a:solidFill>
                   <a:srgbClr val="000066"/>
                 </a:solidFill>
                 <a:latin typeface="微軟正黑體" pitchFamily="34" charset="-120"/>
                 <a:ea typeface="微軟正黑體" pitchFamily="34" charset="-120"/>
               </a:rPr>
-              <a:t>救贖的恩典</a:t>
-            </a:r>
-            <a:endParaRPr lang="zh-TW" altLang="en-US" sz="4800" b="1" dirty="0">
+              <a:t>每當我拿起這餅</a:t>
+            </a:r>
+            <a:endParaRPr lang="en-US" altLang="zh-TW" sz="6400" b="1" dirty="0">
               <a:solidFill>
                 <a:srgbClr val="000066"/>
               </a:solidFill>
@@ -3370,39 +3238,41 @@
               <a:ea typeface="微軟正黑體" pitchFamily="34" charset="-120"/>
             </a:endParaRPr>
           </a:p>
-        </p:txBody>
-      </p:sp>
-      <p:sp>
-        <p:nvSpPr>
-          <p:cNvPr id="5" name="內容版面配置區 4"/>
-          <p:cNvSpPr>
-            <a:spLocks noGrp="1"/>
-          </p:cNvSpPr>
-          <p:nvPr>
-            <p:ph idx="1"/>
-          </p:nvPr>
-        </p:nvSpPr>
-        <p:spPr/>
-        <p:txBody>
-          <a:bodyPr>
-            <a:normAutofit/>
-          </a:bodyPr>
-          <a:lstStyle/>
           <a:p>
             <a:pPr algn="ctr">
               <a:buNone/>
             </a:pPr>
             <a:r>
-              <a:rPr lang="zh-TW" altLang="en-US" sz="5400" b="1" dirty="0">
+              <a:rPr lang="zh-TW" altLang="en-US" sz="6400" b="1" dirty="0">
                 <a:solidFill>
                   <a:srgbClr val="000066"/>
                 </a:solidFill>
                 <a:latin typeface="微軟正黑體" pitchFamily="34" charset="-120"/>
                 <a:ea typeface="微軟正黑體" pitchFamily="34" charset="-120"/>
               </a:rPr>
-              <a:t>每當我拿起這杯</a:t>
-            </a:r>
-            <a:endParaRPr lang="en-US" altLang="zh-TW" sz="5400" b="1" dirty="0">
+              <a:t>我記念</a:t>
+            </a:r>
+            <a:r>
+              <a:rPr lang="zh-CN" altLang="en-US" sz="6400" b="1" dirty="0">
+                <a:solidFill>
+                  <a:srgbClr val="000066"/>
+                </a:solidFill>
+                <a:latin typeface="微軟正黑體" pitchFamily="34" charset="-120"/>
+                <a:ea typeface="微軟正黑體" pitchFamily="34" charset="-120"/>
+              </a:rPr>
+              <a:t>袮</a:t>
+            </a:r>
+            <a:r>
+              <a:rPr lang="zh-TW" altLang="en-US" sz="6400" b="1" dirty="0">
+                <a:solidFill>
+                  <a:srgbClr val="000066"/>
+                </a:solidFill>
+                <a:latin typeface="微軟正黑體" pitchFamily="34" charset="-120"/>
+                <a:ea typeface="微軟正黑體" pitchFamily="34" charset="-120"/>
+              </a:rPr>
+              <a:t>  親愛耶穌</a:t>
+            </a:r>
+            <a:endParaRPr lang="en-US" altLang="zh-TW" sz="6400" b="1" dirty="0">
               <a:solidFill>
                 <a:srgbClr val="000066"/>
               </a:solidFill>
@@ -3410,135 +3280,14 @@
               <a:ea typeface="微軟正黑體" pitchFamily="34" charset="-120"/>
             </a:endParaRPr>
           </a:p>
-          <a:p>
-            <a:pPr algn="ctr">
-              <a:buNone/>
-            </a:pPr>
-            <a:r>
-              <a:rPr lang="zh-TW" altLang="en-US" sz="5400" b="1" dirty="0">
-                <a:solidFill>
-                  <a:srgbClr val="000066"/>
-                </a:solidFill>
-                <a:latin typeface="微軟正黑體" pitchFamily="34" charset="-120"/>
-                <a:ea typeface="微軟正黑體" pitchFamily="34" charset="-120"/>
-              </a:rPr>
-              <a:t>我感</a:t>
-            </a:r>
-            <a:r>
-              <a:rPr lang="zh-TW" altLang="en-US" sz="5400" b="1" dirty="0" smtClean="0">
-                <a:solidFill>
-                  <a:srgbClr val="000066"/>
-                </a:solidFill>
-                <a:latin typeface="微軟正黑體" pitchFamily="34" charset="-120"/>
-                <a:ea typeface="微軟正黑體" pitchFamily="34" charset="-120"/>
-              </a:rPr>
-              <a:t>謝</a:t>
-            </a:r>
-            <a:r>
-              <a:rPr lang="zh-CN" altLang="en-US" sz="5400" b="1" dirty="0" smtClean="0">
-                <a:solidFill>
-                  <a:srgbClr val="000066"/>
-                </a:solidFill>
-                <a:latin typeface="微軟正黑體" pitchFamily="34" charset="-120"/>
-                <a:ea typeface="微軟正黑體" pitchFamily="34" charset="-120"/>
-              </a:rPr>
-              <a:t>袮  </a:t>
-            </a:r>
-            <a:r>
-              <a:rPr lang="zh-TW" altLang="en-US" sz="5400" b="1" dirty="0" smtClean="0">
-                <a:solidFill>
-                  <a:srgbClr val="000066"/>
-                </a:solidFill>
-                <a:latin typeface="微軟正黑體" pitchFamily="34" charset="-120"/>
-                <a:ea typeface="微軟正黑體" pitchFamily="34" charset="-120"/>
-              </a:rPr>
-              <a:t>我</a:t>
-            </a:r>
-            <a:r>
-              <a:rPr lang="zh-TW" altLang="en-US" sz="5400" b="1" dirty="0">
-                <a:solidFill>
-                  <a:srgbClr val="000066"/>
-                </a:solidFill>
-                <a:latin typeface="微軟正黑體" pitchFamily="34" charset="-120"/>
-                <a:ea typeface="微軟正黑體" pitchFamily="34" charset="-120"/>
-              </a:rPr>
-              <a:t>的耶穌</a:t>
-            </a:r>
-            <a:endParaRPr lang="en-US" altLang="zh-TW" sz="5400" b="1" dirty="0">
-              <a:solidFill>
-                <a:srgbClr val="000066"/>
-              </a:solidFill>
-              <a:latin typeface="微軟正黑體" pitchFamily="34" charset="-120"/>
-              <a:ea typeface="微軟正黑體" pitchFamily="34" charset="-120"/>
-            </a:endParaRPr>
-          </a:p>
-          <a:p>
-            <a:pPr algn="ctr">
-              <a:buNone/>
-            </a:pPr>
-            <a:r>
-              <a:rPr lang="zh-CN" altLang="en-US" sz="5400" b="1" dirty="0">
-                <a:solidFill>
-                  <a:srgbClr val="000066"/>
-                </a:solidFill>
-                <a:latin typeface="微軟正黑體" pitchFamily="34" charset="-120"/>
-                <a:ea typeface="微軟正黑體" pitchFamily="34" charset="-120"/>
-              </a:rPr>
-              <a:t>袮</a:t>
-            </a:r>
-            <a:r>
-              <a:rPr lang="zh-TW" altLang="en-US" sz="5400" b="1" dirty="0" smtClean="0">
-                <a:solidFill>
-                  <a:srgbClr val="000066"/>
-                </a:solidFill>
-                <a:latin typeface="微軟正黑體" pitchFamily="34" charset="-120"/>
-                <a:ea typeface="微軟正黑體" pitchFamily="34" charset="-120"/>
-              </a:rPr>
-              <a:t>寶</a:t>
-            </a:r>
-            <a:r>
-              <a:rPr lang="zh-TW" altLang="en-US" sz="5400" b="1" dirty="0">
-                <a:solidFill>
-                  <a:srgbClr val="000066"/>
-                </a:solidFill>
-                <a:latin typeface="微軟正黑體" pitchFamily="34" charset="-120"/>
-                <a:ea typeface="微軟正黑體" pitchFamily="34" charset="-120"/>
-              </a:rPr>
-              <a:t>血洗淨我的罪</a:t>
-            </a:r>
-            <a:endParaRPr lang="en-US" altLang="zh-TW" sz="5400" b="1" dirty="0">
-              <a:solidFill>
-                <a:srgbClr val="000066"/>
-              </a:solidFill>
-              <a:latin typeface="微軟正黑體" pitchFamily="34" charset="-120"/>
-              <a:ea typeface="微軟正黑體" pitchFamily="34" charset="-120"/>
-            </a:endParaRPr>
-          </a:p>
-          <a:p>
-            <a:pPr algn="ctr">
-              <a:buNone/>
-            </a:pPr>
-            <a:r>
-              <a:rPr lang="zh-TW" altLang="en-US" sz="5400" b="1" dirty="0">
-                <a:solidFill>
-                  <a:srgbClr val="000066"/>
-                </a:solidFill>
-                <a:latin typeface="微軟正黑體" pitchFamily="34" charset="-120"/>
-                <a:ea typeface="微軟正黑體" pitchFamily="34" charset="-120"/>
-              </a:rPr>
-              <a:t>使我永遠與罪隔離</a:t>
-            </a:r>
-            <a:endParaRPr lang="zh-TW" altLang="en-US" sz="5400" b="1" dirty="0">
-              <a:solidFill>
-                <a:srgbClr val="000066"/>
-              </a:solidFill>
-              <a:latin typeface="微軟正黑體" pitchFamily="34" charset="-120"/>
-              <a:ea typeface="微軟正黑體" pitchFamily="34" charset="-120"/>
-            </a:endParaRPr>
-          </a:p>
         </p:txBody>
       </p:sp>
     </p:spTree>
+    <p:extLst>
+      <p:ext uri="{BB962C8B-B14F-4D97-AF65-F5344CB8AC3E}">
+        <p14:creationId xmlns:p14="http://schemas.microsoft.com/office/powerpoint/2010/main" val="3351302927"/>
+      </p:ext>
+    </p:extLst>
   </p:cSld>
   <p:clrMapOvr>
     <a:masterClrMapping/>
@@ -3565,32 +3314,60 @@
       </p:grpSpPr>
       <p:sp>
         <p:nvSpPr>
-          <p:cNvPr id="4" name="標題 3"/>
-          <p:cNvSpPr>
-            <a:spLocks noGrp="1"/>
-          </p:cNvSpPr>
-          <p:nvPr>
-            <p:ph type="title"/>
-          </p:nvPr>
-        </p:nvSpPr>
-        <p:spPr/>
-        <p:txBody>
-          <a:bodyPr>
+          <p:cNvPr id="5" name="內容版面配置區 4"/>
+          <p:cNvSpPr>
+            <a:spLocks noGrp="1"/>
+          </p:cNvSpPr>
+          <p:nvPr>
+            <p:ph idx="1"/>
+          </p:nvPr>
+        </p:nvSpPr>
+        <p:spPr>
+          <a:xfrm>
+            <a:off x="0" y="2084851"/>
+            <a:ext cx="12192000" cy="2404863"/>
+          </a:xfrm>
+        </p:spPr>
+        <p:txBody>
+          <a:bodyPr anchor="ctr">
             <a:normAutofit/>
           </a:bodyPr>
           <a:lstStyle/>
           <a:p>
-            <a:r>
-              <a:rPr lang="zh-CN" altLang="en-US" sz="4800" b="1" dirty="0">
+            <a:pPr algn="ctr">
+              <a:buNone/>
+            </a:pPr>
+            <a:r>
+              <a:rPr lang="zh-TW" altLang="en-US" sz="6400" b="1" dirty="0">
                 <a:solidFill>
                   <a:srgbClr val="000066"/>
                 </a:solidFill>
                 <a:latin typeface="微軟正黑體" pitchFamily="34" charset="-120"/>
                 <a:ea typeface="微軟正黑體" pitchFamily="34" charset="-120"/>
               </a:rPr>
-              <a:t>救贖的恩典</a:t>
-            </a:r>
-            <a:endParaRPr lang="zh-TW" altLang="en-US" sz="4800" b="1" dirty="0">
+              <a:t>十架上</a:t>
+            </a:r>
+            <a:r>
+              <a:rPr lang="zh-CN" altLang="en-US" sz="6400" b="1" dirty="0">
+                <a:solidFill>
+                  <a:srgbClr val="000066"/>
+                </a:solidFill>
+                <a:latin typeface="微軟正黑體" pitchFamily="34" charset="-120"/>
+                <a:ea typeface="微軟正黑體" pitchFamily="34" charset="-120"/>
+              </a:rPr>
+              <a:t>袮</a:t>
+            </a:r>
+            <a:r>
+              <a:rPr lang="zh-TW" altLang="en-US" sz="6400" b="1" dirty="0">
+                <a:solidFill>
+                  <a:srgbClr val="000066"/>
+                </a:solidFill>
+                <a:latin typeface="微軟正黑體" pitchFamily="34" charset="-120"/>
+                <a:ea typeface="微軟正黑體" pitchFamily="34" charset="-120"/>
+              </a:rPr>
+              <a:t>換回我生命</a:t>
+            </a:r>
+            <a:endParaRPr lang="en-US" altLang="zh-TW" sz="6400" b="1" dirty="0">
               <a:solidFill>
                 <a:srgbClr val="000066"/>
               </a:solidFill>
@@ -3598,84 +3375,21 @@
               <a:ea typeface="微軟正黑體" pitchFamily="34" charset="-120"/>
             </a:endParaRPr>
           </a:p>
-        </p:txBody>
-      </p:sp>
-      <p:sp>
-        <p:nvSpPr>
-          <p:cNvPr id="5" name="內容版面配置區 4"/>
-          <p:cNvSpPr>
-            <a:spLocks noGrp="1"/>
-          </p:cNvSpPr>
-          <p:nvPr>
-            <p:ph idx="1"/>
-          </p:nvPr>
-        </p:nvSpPr>
-        <p:spPr>
-          <a:xfrm>
-            <a:off x="1981200" y="1600200"/>
-            <a:ext cx="8229600" cy="5257800"/>
-          </a:xfrm>
-        </p:spPr>
-        <p:txBody>
-          <a:bodyPr>
-            <a:normAutofit/>
-          </a:bodyPr>
-          <a:lstStyle/>
           <a:p>
             <a:pPr algn="ctr">
               <a:buNone/>
             </a:pPr>
             <a:r>
-              <a:rPr lang="zh-TW" altLang="en-US" sz="5400" b="1" dirty="0">
+              <a:rPr lang="zh-TW" altLang="en-US" sz="6400" b="1" dirty="0">
                 <a:solidFill>
                   <a:srgbClr val="000066"/>
                 </a:solidFill>
                 <a:latin typeface="微軟正黑體" pitchFamily="34" charset="-120"/>
                 <a:ea typeface="微軟正黑體" pitchFamily="34" charset="-120"/>
               </a:rPr>
-              <a:t>謝</a:t>
-            </a:r>
-            <a:r>
-              <a:rPr lang="zh-TW" altLang="en-US" sz="5400" b="1" dirty="0" smtClean="0">
-                <a:solidFill>
-                  <a:srgbClr val="000066"/>
-                </a:solidFill>
-                <a:latin typeface="微軟正黑體" pitchFamily="34" charset="-120"/>
-                <a:ea typeface="微軟正黑體" pitchFamily="34" charset="-120"/>
-              </a:rPr>
-              <a:t>謝</a:t>
-            </a:r>
-            <a:r>
-              <a:rPr lang="zh-CN" altLang="en-US" sz="5400" b="1" dirty="0">
-                <a:solidFill>
-                  <a:srgbClr val="000066"/>
-                </a:solidFill>
-                <a:latin typeface="微軟正黑體" pitchFamily="34" charset="-120"/>
-                <a:ea typeface="微軟正黑體" pitchFamily="34" charset="-120"/>
-              </a:rPr>
-              <a:t>袮</a:t>
-            </a:r>
-            <a:r>
-              <a:rPr lang="zh-TW" altLang="en-US" sz="5400" b="1" dirty="0" smtClean="0">
-                <a:solidFill>
-                  <a:srgbClr val="000066"/>
-                </a:solidFill>
-                <a:latin typeface="微軟正黑體" pitchFamily="34" charset="-120"/>
-                <a:ea typeface="微軟正黑體" pitchFamily="34" charset="-120"/>
-              </a:rPr>
-              <a:t>為</a:t>
-            </a:r>
-            <a:r>
-              <a:rPr lang="zh-TW" altLang="en-US" sz="5400" b="1" dirty="0">
-                <a:solidFill>
-                  <a:srgbClr val="000066"/>
-                </a:solidFill>
-                <a:latin typeface="微軟正黑體" pitchFamily="34" charset="-120"/>
-                <a:ea typeface="微軟正黑體" pitchFamily="34" charset="-120"/>
-              </a:rPr>
-              <a:t>我死在十架上</a:t>
-            </a:r>
-            <a:endParaRPr lang="en-US" altLang="zh-TW" sz="5400" b="1" dirty="0">
+              <a:t>使我回到天父面前</a:t>
+            </a:r>
+            <a:endParaRPr lang="zh-TW" altLang="en-US" sz="6400" b="1" dirty="0">
               <a:solidFill>
                 <a:srgbClr val="000066"/>
               </a:solidFill>
@@ -3683,137 +3397,14 @@
               <a:ea typeface="微軟正黑體" pitchFamily="34" charset="-120"/>
             </a:endParaRPr>
           </a:p>
-          <a:p>
-            <a:pPr algn="ctr">
-              <a:buNone/>
-            </a:pPr>
-            <a:r>
-              <a:rPr lang="zh-TW" altLang="en-US" sz="5400" b="1" dirty="0">
-                <a:solidFill>
-                  <a:srgbClr val="000066"/>
-                </a:solidFill>
-                <a:latin typeface="微軟正黑體" pitchFamily="34" charset="-120"/>
-                <a:ea typeface="微軟正黑體" pitchFamily="34" charset="-120"/>
-              </a:rPr>
-              <a:t>破碎的生命得以完全</a:t>
-            </a:r>
-            <a:endParaRPr lang="en-US" altLang="zh-TW" sz="5400" b="1" dirty="0">
-              <a:solidFill>
-                <a:srgbClr val="000066"/>
-              </a:solidFill>
-              <a:latin typeface="微軟正黑體" pitchFamily="34" charset="-120"/>
-              <a:ea typeface="微軟正黑體" pitchFamily="34" charset="-120"/>
-            </a:endParaRPr>
-          </a:p>
-          <a:p>
-            <a:pPr algn="ctr">
-              <a:buNone/>
-            </a:pPr>
-            <a:r>
-              <a:rPr lang="zh-TW" altLang="en-US" sz="5400" b="1" dirty="0">
-                <a:solidFill>
-                  <a:srgbClr val="000066"/>
-                </a:solidFill>
-                <a:latin typeface="微軟正黑體" pitchFamily="34" charset="-120"/>
-                <a:ea typeface="微軟正黑體" pitchFamily="34" charset="-120"/>
-              </a:rPr>
-              <a:t>我感恩  我敬拜</a:t>
-            </a:r>
-            <a:endParaRPr lang="en-US" altLang="zh-TW" sz="5400" b="1" dirty="0">
-              <a:solidFill>
-                <a:srgbClr val="000066"/>
-              </a:solidFill>
-              <a:latin typeface="微軟正黑體" pitchFamily="34" charset="-120"/>
-              <a:ea typeface="微軟正黑體" pitchFamily="34" charset="-120"/>
-            </a:endParaRPr>
-          </a:p>
-          <a:p>
-            <a:pPr algn="ctr">
-              <a:buNone/>
-            </a:pPr>
-            <a:r>
-              <a:rPr lang="zh-TW" altLang="en-US" sz="5400" b="1" dirty="0">
-                <a:solidFill>
-                  <a:srgbClr val="000066"/>
-                </a:solidFill>
-                <a:latin typeface="微軟正黑體" pitchFamily="34" charset="-120"/>
-                <a:ea typeface="微軟正黑體" pitchFamily="34" charset="-120"/>
-              </a:rPr>
-              <a:t>得醫治  得自由</a:t>
-            </a:r>
-            <a:endParaRPr lang="en-US" altLang="zh-TW" sz="5400" b="1" dirty="0">
-              <a:solidFill>
-                <a:srgbClr val="000066"/>
-              </a:solidFill>
-              <a:latin typeface="微軟正黑體" pitchFamily="34" charset="-120"/>
-              <a:ea typeface="微軟正黑體" pitchFamily="34" charset="-120"/>
-            </a:endParaRPr>
-          </a:p>
-          <a:p>
-            <a:pPr algn="ctr">
-              <a:buNone/>
-            </a:pPr>
-            <a:r>
-              <a:rPr lang="zh-TW" altLang="en-US" sz="5400" b="1" dirty="0">
-                <a:solidFill>
-                  <a:srgbClr val="000066"/>
-                </a:solidFill>
-                <a:latin typeface="微軟正黑體" pitchFamily="34" charset="-120"/>
-                <a:ea typeface="微軟正黑體" pitchFamily="34" charset="-120"/>
-              </a:rPr>
-              <a:t>都</a:t>
-            </a:r>
-            <a:r>
-              <a:rPr lang="zh-TW" altLang="en-US" sz="5400" b="1" dirty="0" smtClean="0">
-                <a:solidFill>
-                  <a:srgbClr val="000066"/>
-                </a:solidFill>
-                <a:latin typeface="微軟正黑體" pitchFamily="34" charset="-120"/>
-                <a:ea typeface="微軟正黑體" pitchFamily="34" charset="-120"/>
-              </a:rPr>
-              <a:t>因</a:t>
-            </a:r>
-            <a:r>
-              <a:rPr lang="zh-CN" altLang="en-US" sz="5400" b="1" dirty="0">
-                <a:solidFill>
-                  <a:srgbClr val="000066"/>
-                </a:solidFill>
-                <a:latin typeface="微軟正黑體" pitchFamily="34" charset="-120"/>
-                <a:ea typeface="微軟正黑體" pitchFamily="34" charset="-120"/>
-              </a:rPr>
-              <a:t>袮</a:t>
-            </a:r>
-            <a:r>
-              <a:rPr lang="zh-TW" altLang="en-US" sz="5400" b="1" dirty="0" smtClean="0">
-                <a:solidFill>
-                  <a:srgbClr val="000066"/>
-                </a:solidFill>
-                <a:latin typeface="微軟正黑體" pitchFamily="34" charset="-120"/>
-                <a:ea typeface="微軟正黑體" pitchFamily="34" charset="-120"/>
-              </a:rPr>
-              <a:t>那</a:t>
-            </a:r>
-            <a:r>
-              <a:rPr lang="zh-TW" altLang="en-US" sz="5400" b="1" dirty="0">
-                <a:solidFill>
-                  <a:srgbClr val="000066"/>
-                </a:solidFill>
-                <a:latin typeface="微軟正黑體" pitchFamily="34" charset="-120"/>
-                <a:ea typeface="微軟正黑體" pitchFamily="34" charset="-120"/>
-              </a:rPr>
-              <a:t>救贖的恩典</a:t>
-            </a:r>
-            <a:endParaRPr lang="zh-TW" altLang="en-US" sz="5400" b="1" dirty="0">
-              <a:solidFill>
-                <a:srgbClr val="000066"/>
-              </a:solidFill>
-              <a:latin typeface="微軟正黑體" pitchFamily="34" charset="-120"/>
-              <a:ea typeface="微軟正黑體" pitchFamily="34" charset="-120"/>
-            </a:endParaRPr>
-          </a:p>
         </p:txBody>
       </p:sp>
     </p:spTree>
+    <p:extLst>
+      <p:ext uri="{BB962C8B-B14F-4D97-AF65-F5344CB8AC3E}">
+        <p14:creationId xmlns:p14="http://schemas.microsoft.com/office/powerpoint/2010/main" val="1689045121"/>
+      </p:ext>
+    </p:extLst>
   </p:cSld>
   <p:clrMapOvr>
     <a:masterClrMapping/>
@@ -3840,32 +3431,40 @@
       </p:grpSpPr>
       <p:sp>
         <p:nvSpPr>
-          <p:cNvPr id="4" name="標題 3"/>
-          <p:cNvSpPr>
-            <a:spLocks noGrp="1"/>
-          </p:cNvSpPr>
-          <p:nvPr>
-            <p:ph type="title"/>
-          </p:nvPr>
-        </p:nvSpPr>
-        <p:spPr/>
-        <p:txBody>
-          <a:bodyPr>
+          <p:cNvPr id="5" name="內容版面配置區 4"/>
+          <p:cNvSpPr>
+            <a:spLocks noGrp="1"/>
+          </p:cNvSpPr>
+          <p:nvPr>
+            <p:ph idx="1"/>
+          </p:nvPr>
+        </p:nvSpPr>
+        <p:spPr>
+          <a:xfrm>
+            <a:off x="0" y="2084851"/>
+            <a:ext cx="12192000" cy="2404863"/>
+          </a:xfrm>
+        </p:spPr>
+        <p:txBody>
+          <a:bodyPr anchor="ctr">
             <a:normAutofit/>
           </a:bodyPr>
           <a:lstStyle/>
           <a:p>
-            <a:r>
-              <a:rPr lang="zh-CN" altLang="en-US" sz="4800" b="1" dirty="0">
+            <a:pPr algn="ctr">
+              <a:buNone/>
+            </a:pPr>
+            <a:r>
+              <a:rPr lang="zh-TW" altLang="en-US" sz="6400" b="1" dirty="0">
                 <a:solidFill>
                   <a:srgbClr val="000066"/>
                 </a:solidFill>
                 <a:latin typeface="微軟正黑體" pitchFamily="34" charset="-120"/>
                 <a:ea typeface="微軟正黑體" pitchFamily="34" charset="-120"/>
               </a:rPr>
-              <a:t>救贖的恩典</a:t>
-            </a:r>
-            <a:endParaRPr lang="zh-TW" altLang="en-US" sz="4800" b="1" dirty="0">
+              <a:t>每當我拿起這杯</a:t>
+            </a:r>
+            <a:endParaRPr lang="en-US" altLang="zh-TW" sz="6400" b="1" dirty="0">
               <a:solidFill>
                 <a:srgbClr val="000066"/>
               </a:solidFill>
@@ -3873,44 +3472,41 @@
               <a:ea typeface="微軟正黑體" pitchFamily="34" charset="-120"/>
             </a:endParaRPr>
           </a:p>
-        </p:txBody>
-      </p:sp>
-      <p:sp>
-        <p:nvSpPr>
-          <p:cNvPr id="5" name="內容版面配置區 4"/>
-          <p:cNvSpPr>
-            <a:spLocks noGrp="1"/>
-          </p:cNvSpPr>
-          <p:nvPr>
-            <p:ph idx="1"/>
-          </p:nvPr>
-        </p:nvSpPr>
-        <p:spPr>
-          <a:xfrm>
-            <a:off x="1981200" y="1600200"/>
-            <a:ext cx="8229600" cy="5257800"/>
-          </a:xfrm>
-        </p:spPr>
-        <p:txBody>
-          <a:bodyPr>
-            <a:normAutofit/>
-          </a:bodyPr>
-          <a:lstStyle/>
           <a:p>
             <a:pPr algn="ctr">
               <a:buNone/>
             </a:pPr>
             <a:r>
-              <a:rPr lang="zh-CN" altLang="en-US" sz="5400" b="1" dirty="0">
+              <a:rPr lang="zh-TW" altLang="en-US" sz="6400" b="1" dirty="0">
                 <a:solidFill>
                   <a:srgbClr val="000066"/>
                 </a:solidFill>
                 <a:latin typeface="微軟正黑體" pitchFamily="34" charset="-120"/>
                 <a:ea typeface="微軟正黑體" pitchFamily="34" charset="-120"/>
               </a:rPr>
-              <a:t>永遠與罪隔離</a:t>
-            </a:r>
-            <a:endParaRPr lang="en-US" altLang="zh-CN" sz="5400" b="1" dirty="0">
+              <a:t>我感謝</a:t>
+            </a:r>
+            <a:r>
+              <a:rPr lang="zh-CN" altLang="en-US" sz="6400" b="1" dirty="0">
+                <a:solidFill>
+                  <a:srgbClr val="000066"/>
+                </a:solidFill>
+                <a:latin typeface="微軟正黑體" pitchFamily="34" charset="-120"/>
+                <a:ea typeface="微軟正黑體" pitchFamily="34" charset="-120"/>
+              </a:rPr>
+              <a:t>袮  </a:t>
+            </a:r>
+            <a:r>
+              <a:rPr lang="zh-TW" altLang="en-US" sz="6400" b="1" dirty="0">
+                <a:solidFill>
+                  <a:srgbClr val="000066"/>
+                </a:solidFill>
+                <a:latin typeface="微軟正黑體" pitchFamily="34" charset="-120"/>
+                <a:ea typeface="微軟正黑體" pitchFamily="34" charset="-120"/>
+              </a:rPr>
+              <a:t>我的耶穌</a:t>
+            </a:r>
+            <a:endParaRPr lang="en-US" altLang="zh-TW" sz="6400" b="1" dirty="0">
               <a:solidFill>
                 <a:srgbClr val="000066"/>
               </a:solidFill>
@@ -3918,21 +3514,84 @@
               <a:ea typeface="微軟正黑體" pitchFamily="34" charset="-120"/>
             </a:endParaRPr>
           </a:p>
+        </p:txBody>
+      </p:sp>
+    </p:spTree>
+    <p:extLst>
+      <p:ext uri="{BB962C8B-B14F-4D97-AF65-F5344CB8AC3E}">
+        <p14:creationId xmlns:p14="http://schemas.microsoft.com/office/powerpoint/2010/main" val="3018701881"/>
+      </p:ext>
+    </p:extLst>
+  </p:cSld>
+  <p:clrMapOvr>
+    <a:masterClrMapping/>
+  </p:clrMapOvr>
+</p:sld>
+</file>
+
+<file path=ppt/slides/slide5.xml><?xml version="1.0" encoding="utf-8"?>
+<p:sld xmlns:a="http://schemas.openxmlformats.org/drawingml/2006/main" xmlns:r="http://schemas.openxmlformats.org/officeDocument/2006/relationships" xmlns:p="http://schemas.openxmlformats.org/presentationml/2006/main">
+  <p:cSld>
+    <p:spTree>
+      <p:nvGrpSpPr>
+        <p:cNvPr id="1" name=""/>
+        <p:cNvGrpSpPr/>
+        <p:nvPr/>
+      </p:nvGrpSpPr>
+      <p:grpSpPr>
+        <a:xfrm>
+          <a:off x="0" y="0"/>
+          <a:ext cx="0" cy="0"/>
+          <a:chOff x="0" y="0"/>
+          <a:chExt cx="0" cy="0"/>
+        </a:xfrm>
+      </p:grpSpPr>
+      <p:sp>
+        <p:nvSpPr>
+          <p:cNvPr id="5" name="內容版面配置區 4"/>
+          <p:cNvSpPr>
+            <a:spLocks noGrp="1"/>
+          </p:cNvSpPr>
+          <p:nvPr>
+            <p:ph idx="1"/>
+          </p:nvPr>
+        </p:nvSpPr>
+        <p:spPr>
+          <a:xfrm>
+            <a:off x="0" y="2084851"/>
+            <a:ext cx="12192000" cy="2404863"/>
+          </a:xfrm>
+        </p:spPr>
+        <p:txBody>
+          <a:bodyPr anchor="ctr">
+            <a:normAutofit/>
+          </a:bodyPr>
+          <a:lstStyle/>
           <a:p>
             <a:pPr algn="ctr">
               <a:buNone/>
             </a:pPr>
             <a:r>
-              <a:rPr lang="zh-CN" altLang="en-US" sz="5400" b="1" dirty="0">
+              <a:rPr lang="zh-CN" altLang="en-US" sz="6400" b="1" dirty="0">
                 <a:solidFill>
                   <a:srgbClr val="000066"/>
                 </a:solidFill>
                 <a:latin typeface="微軟正黑體" pitchFamily="34" charset="-120"/>
                 <a:ea typeface="微軟正黑體" pitchFamily="34" charset="-120"/>
               </a:rPr>
-              <a:t>永遠與罪隔離</a:t>
-            </a:r>
-            <a:endParaRPr lang="zh-TW" altLang="en-US" sz="5400" b="1" dirty="0">
+              <a:t>袮</a:t>
+            </a:r>
+            <a:r>
+              <a:rPr lang="zh-TW" altLang="en-US" sz="6400" b="1" dirty="0">
+                <a:solidFill>
+                  <a:srgbClr val="000066"/>
+                </a:solidFill>
+                <a:latin typeface="微軟正黑體" pitchFamily="34" charset="-120"/>
+                <a:ea typeface="微軟正黑體" pitchFamily="34" charset="-120"/>
+              </a:rPr>
+              <a:t>寶血洗淨我的罪</a:t>
+            </a:r>
+            <a:endParaRPr lang="en-US" altLang="zh-TW" sz="6400" b="1" dirty="0">
               <a:solidFill>
                 <a:srgbClr val="000066"/>
               </a:solidFill>
@@ -3945,16 +3604,16 @@
               <a:buNone/>
             </a:pPr>
             <a:r>
-              <a:rPr lang="zh-CN" altLang="en-US" sz="5400" b="1" dirty="0">
+              <a:rPr lang="zh-TW" altLang="en-US" sz="6400" b="1" dirty="0">
                 <a:solidFill>
                   <a:srgbClr val="000066"/>
                 </a:solidFill>
                 <a:latin typeface="微軟正黑體" pitchFamily="34" charset="-120"/>
                 <a:ea typeface="微軟正黑體" pitchFamily="34" charset="-120"/>
               </a:rPr>
-              <a:t>被贖教會  洗得清潔</a:t>
-            </a:r>
-            <a:endParaRPr lang="en-US" altLang="zh-CN" sz="5400" b="1" dirty="0">
+              <a:t>使我永遠與罪隔離</a:t>
+            </a:r>
+            <a:endParaRPr lang="zh-TW" altLang="en-US" sz="6400" b="1" dirty="0">
               <a:solidFill>
                 <a:srgbClr val="000066"/>
               </a:solidFill>
@@ -3962,21 +3621,94 @@
               <a:ea typeface="微軟正黑體" pitchFamily="34" charset="-120"/>
             </a:endParaRPr>
           </a:p>
+        </p:txBody>
+      </p:sp>
+    </p:spTree>
+    <p:extLst>
+      <p:ext uri="{BB962C8B-B14F-4D97-AF65-F5344CB8AC3E}">
+        <p14:creationId xmlns:p14="http://schemas.microsoft.com/office/powerpoint/2010/main" val="4014454017"/>
+      </p:ext>
+    </p:extLst>
+  </p:cSld>
+  <p:clrMapOvr>
+    <a:masterClrMapping/>
+  </p:clrMapOvr>
+</p:sld>
+</file>
+
+<file path=ppt/slides/slide6.xml><?xml version="1.0" encoding="utf-8"?>
+<p:sld xmlns:a="http://schemas.openxmlformats.org/drawingml/2006/main" xmlns:r="http://schemas.openxmlformats.org/officeDocument/2006/relationships" xmlns:p="http://schemas.openxmlformats.org/presentationml/2006/main">
+  <p:cSld>
+    <p:spTree>
+      <p:nvGrpSpPr>
+        <p:cNvPr id="1" name=""/>
+        <p:cNvGrpSpPr/>
+        <p:nvPr/>
+      </p:nvGrpSpPr>
+      <p:grpSpPr>
+        <a:xfrm>
+          <a:off x="0" y="0"/>
+          <a:ext cx="0" cy="0"/>
+          <a:chOff x="0" y="0"/>
+          <a:chExt cx="0" cy="0"/>
+        </a:xfrm>
+      </p:grpSpPr>
+      <p:sp>
+        <p:nvSpPr>
+          <p:cNvPr id="5" name="內容版面配置區 4"/>
+          <p:cNvSpPr>
+            <a:spLocks noGrp="1"/>
+          </p:cNvSpPr>
+          <p:nvPr>
+            <p:ph idx="1"/>
+          </p:nvPr>
+        </p:nvSpPr>
+        <p:spPr>
+          <a:xfrm>
+            <a:off x="0" y="2084851"/>
+            <a:ext cx="12192000" cy="2404863"/>
+          </a:xfrm>
+        </p:spPr>
+        <p:txBody>
+          <a:bodyPr anchor="ctr">
+            <a:normAutofit/>
+          </a:bodyPr>
+          <a:lstStyle/>
           <a:p>
             <a:pPr algn="ctr">
               <a:buNone/>
             </a:pPr>
             <a:r>
-              <a:rPr lang="zh-CN" altLang="en-US" sz="5400" b="1" dirty="0">
+              <a:rPr lang="zh-TW" altLang="en-US" sz="6400" b="1" dirty="0">
                 <a:solidFill>
                   <a:srgbClr val="000066"/>
                 </a:solidFill>
                 <a:latin typeface="微軟正黑體" pitchFamily="34" charset="-120"/>
                 <a:ea typeface="微軟正黑體" pitchFamily="34" charset="-120"/>
               </a:rPr>
-              <a:t>永遠與罪隔離</a:t>
-            </a:r>
-            <a:endParaRPr lang="zh-TW" altLang="en-US" sz="5400" b="1" dirty="0">
+              <a:t>謝謝</a:t>
+            </a:r>
+            <a:r>
+              <a:rPr lang="zh-CN" altLang="en-US" sz="6400" b="1" dirty="0">
+                <a:solidFill>
+                  <a:srgbClr val="000066"/>
+                </a:solidFill>
+                <a:latin typeface="微軟正黑體" pitchFamily="34" charset="-120"/>
+                <a:ea typeface="微軟正黑體" pitchFamily="34" charset="-120"/>
+              </a:rPr>
+              <a:t>袮</a:t>
+            </a:r>
+            <a:r>
+              <a:rPr lang="zh-TW" altLang="en-US" sz="6400" b="1" dirty="0">
+                <a:solidFill>
+                  <a:srgbClr val="000066"/>
+                </a:solidFill>
+                <a:latin typeface="微軟正黑體" pitchFamily="34" charset="-120"/>
+                <a:ea typeface="微軟正黑體" pitchFamily="34" charset="-120"/>
+              </a:rPr>
+              <a:t>為我死在十架上</a:t>
+            </a:r>
+            <a:endParaRPr lang="en-US" altLang="zh-TW" sz="6400" b="1" dirty="0">
               <a:solidFill>
                 <a:srgbClr val="000066"/>
               </a:solidFill>
@@ -3984,9 +3716,367 @@
               <a:ea typeface="微軟正黑體" pitchFamily="34" charset="-120"/>
             </a:endParaRPr>
           </a:p>
+          <a:p>
+            <a:pPr algn="ctr">
+              <a:buNone/>
+            </a:pPr>
+            <a:r>
+              <a:rPr lang="zh-TW" altLang="en-US" sz="6400" b="1" dirty="0">
+                <a:solidFill>
+                  <a:srgbClr val="000066"/>
+                </a:solidFill>
+                <a:latin typeface="微軟正黑體" pitchFamily="34" charset="-120"/>
+                <a:ea typeface="微軟正黑體" pitchFamily="34" charset="-120"/>
+              </a:rPr>
+              <a:t>破碎的生命得以完全</a:t>
+            </a:r>
+            <a:endParaRPr lang="en-US" altLang="zh-TW" sz="6400" b="1" dirty="0">
+              <a:solidFill>
+                <a:srgbClr val="000066"/>
+              </a:solidFill>
+              <a:latin typeface="微軟正黑體" pitchFamily="34" charset="-120"/>
+              <a:ea typeface="微軟正黑體" pitchFamily="34" charset="-120"/>
+            </a:endParaRPr>
+          </a:p>
         </p:txBody>
       </p:sp>
     </p:spTree>
+    <p:extLst>
+      <p:ext uri="{BB962C8B-B14F-4D97-AF65-F5344CB8AC3E}">
+        <p14:creationId xmlns:p14="http://schemas.microsoft.com/office/powerpoint/2010/main" val="218415074"/>
+      </p:ext>
+    </p:extLst>
+  </p:cSld>
+  <p:clrMapOvr>
+    <a:masterClrMapping/>
+  </p:clrMapOvr>
+</p:sld>
+</file>
+
+<file path=ppt/slides/slide7.xml><?xml version="1.0" encoding="utf-8"?>
+<p:sld xmlns:a="http://schemas.openxmlformats.org/drawingml/2006/main" xmlns:r="http://schemas.openxmlformats.org/officeDocument/2006/relationships" xmlns:p="http://schemas.openxmlformats.org/presentationml/2006/main">
+  <p:cSld>
+    <p:spTree>
+      <p:nvGrpSpPr>
+        <p:cNvPr id="1" name=""/>
+        <p:cNvGrpSpPr/>
+        <p:nvPr/>
+      </p:nvGrpSpPr>
+      <p:grpSpPr>
+        <a:xfrm>
+          <a:off x="0" y="0"/>
+          <a:ext cx="0" cy="0"/>
+          <a:chOff x="0" y="0"/>
+          <a:chExt cx="0" cy="0"/>
+        </a:xfrm>
+      </p:grpSpPr>
+      <p:sp>
+        <p:nvSpPr>
+          <p:cNvPr id="5" name="內容版面配置區 4"/>
+          <p:cNvSpPr>
+            <a:spLocks noGrp="1"/>
+          </p:cNvSpPr>
+          <p:nvPr>
+            <p:ph idx="1"/>
+          </p:nvPr>
+        </p:nvSpPr>
+        <p:spPr>
+          <a:xfrm>
+            <a:off x="0" y="2084851"/>
+            <a:ext cx="12192000" cy="2404863"/>
+          </a:xfrm>
+        </p:spPr>
+        <p:txBody>
+          <a:bodyPr anchor="ctr">
+            <a:normAutofit/>
+          </a:bodyPr>
+          <a:lstStyle/>
+          <a:p>
+            <a:pPr algn="ctr">
+              <a:buNone/>
+            </a:pPr>
+            <a:r>
+              <a:rPr lang="zh-TW" altLang="en-US" sz="6400" b="1" dirty="0">
+                <a:solidFill>
+                  <a:srgbClr val="000066"/>
+                </a:solidFill>
+                <a:latin typeface="微軟正黑體" pitchFamily="34" charset="-120"/>
+                <a:ea typeface="微軟正黑體" pitchFamily="34" charset="-120"/>
+              </a:rPr>
+              <a:t>我感恩  我敬拜</a:t>
+            </a:r>
+            <a:r>
+              <a:rPr lang="en-US" altLang="zh-TW" sz="6400" b="1" dirty="0">
+                <a:solidFill>
+                  <a:srgbClr val="000066"/>
+                </a:solidFill>
+                <a:latin typeface="微軟正黑體" pitchFamily="34" charset="-120"/>
+                <a:ea typeface="微軟正黑體" pitchFamily="34" charset="-120"/>
+              </a:rPr>
+              <a:t>  </a:t>
+            </a:r>
+            <a:r>
+              <a:rPr lang="zh-TW" altLang="en-US" sz="6400" b="1" dirty="0">
+                <a:solidFill>
+                  <a:srgbClr val="000066"/>
+                </a:solidFill>
+                <a:latin typeface="微軟正黑體" pitchFamily="34" charset="-120"/>
+                <a:ea typeface="微軟正黑體" pitchFamily="34" charset="-120"/>
+              </a:rPr>
+              <a:t>得醫治  得自由</a:t>
+            </a:r>
+            <a:endParaRPr lang="en-US" altLang="zh-TW" sz="6400" b="1" dirty="0">
+              <a:solidFill>
+                <a:srgbClr val="000066"/>
+              </a:solidFill>
+              <a:latin typeface="微軟正黑體" pitchFamily="34" charset="-120"/>
+              <a:ea typeface="微軟正黑體" pitchFamily="34" charset="-120"/>
+            </a:endParaRPr>
+          </a:p>
+          <a:p>
+            <a:pPr algn="ctr">
+              <a:buNone/>
+            </a:pPr>
+            <a:r>
+              <a:rPr lang="zh-TW" altLang="en-US" sz="6400" b="1" dirty="0">
+                <a:solidFill>
+                  <a:srgbClr val="000066"/>
+                </a:solidFill>
+                <a:latin typeface="微軟正黑體" pitchFamily="34" charset="-120"/>
+                <a:ea typeface="微軟正黑體" pitchFamily="34" charset="-120"/>
+              </a:rPr>
+              <a:t>都因</a:t>
+            </a:r>
+            <a:r>
+              <a:rPr lang="zh-CN" altLang="en-US" sz="6400" b="1" dirty="0">
+                <a:solidFill>
+                  <a:srgbClr val="000066"/>
+                </a:solidFill>
+                <a:latin typeface="微軟正黑體" pitchFamily="34" charset="-120"/>
+                <a:ea typeface="微軟正黑體" pitchFamily="34" charset="-120"/>
+              </a:rPr>
+              <a:t>袮</a:t>
+            </a:r>
+            <a:r>
+              <a:rPr lang="zh-TW" altLang="en-US" sz="6400" b="1" dirty="0">
+                <a:solidFill>
+                  <a:srgbClr val="000066"/>
+                </a:solidFill>
+                <a:latin typeface="微軟正黑體" pitchFamily="34" charset="-120"/>
+                <a:ea typeface="微軟正黑體" pitchFamily="34" charset="-120"/>
+              </a:rPr>
+              <a:t>那救贖的恩典</a:t>
+            </a:r>
+            <a:endParaRPr lang="zh-TW" altLang="en-US" sz="6400" b="1" dirty="0">
+              <a:solidFill>
+                <a:srgbClr val="000066"/>
+              </a:solidFill>
+              <a:latin typeface="微軟正黑體" pitchFamily="34" charset="-120"/>
+              <a:ea typeface="微軟正黑體" pitchFamily="34" charset="-120"/>
+            </a:endParaRPr>
+          </a:p>
+        </p:txBody>
+      </p:sp>
+    </p:spTree>
+    <p:extLst>
+      <p:ext uri="{BB962C8B-B14F-4D97-AF65-F5344CB8AC3E}">
+        <p14:creationId xmlns:p14="http://schemas.microsoft.com/office/powerpoint/2010/main" val="2492847794"/>
+      </p:ext>
+    </p:extLst>
+  </p:cSld>
+  <p:clrMapOvr>
+    <a:masterClrMapping/>
+  </p:clrMapOvr>
+</p:sld>
+</file>
+
+<file path=ppt/slides/slide8.xml><?xml version="1.0" encoding="utf-8"?>
+<p:sld xmlns:a="http://schemas.openxmlformats.org/drawingml/2006/main" xmlns:r="http://schemas.openxmlformats.org/officeDocument/2006/relationships" xmlns:p="http://schemas.openxmlformats.org/presentationml/2006/main">
+  <p:cSld>
+    <p:spTree>
+      <p:nvGrpSpPr>
+        <p:cNvPr id="1" name=""/>
+        <p:cNvGrpSpPr/>
+        <p:nvPr/>
+      </p:nvGrpSpPr>
+      <p:grpSpPr>
+        <a:xfrm>
+          <a:off x="0" y="0"/>
+          <a:ext cx="0" cy="0"/>
+          <a:chOff x="0" y="0"/>
+          <a:chExt cx="0" cy="0"/>
+        </a:xfrm>
+      </p:grpSpPr>
+      <p:sp>
+        <p:nvSpPr>
+          <p:cNvPr id="5" name="內容版面配置區 4"/>
+          <p:cNvSpPr>
+            <a:spLocks noGrp="1"/>
+          </p:cNvSpPr>
+          <p:nvPr>
+            <p:ph idx="1"/>
+          </p:nvPr>
+        </p:nvSpPr>
+        <p:spPr>
+          <a:xfrm>
+            <a:off x="0" y="2084851"/>
+            <a:ext cx="12192000" cy="2404863"/>
+          </a:xfrm>
+        </p:spPr>
+        <p:txBody>
+          <a:bodyPr anchor="ctr">
+            <a:normAutofit/>
+          </a:bodyPr>
+          <a:lstStyle/>
+          <a:p>
+            <a:pPr algn="ctr">
+              <a:buNone/>
+            </a:pPr>
+            <a:r>
+              <a:rPr lang="zh-CN" altLang="en-US" sz="6400" b="1" dirty="0">
+                <a:solidFill>
+                  <a:srgbClr val="000066"/>
+                </a:solidFill>
+                <a:latin typeface="微軟正黑體" pitchFamily="34" charset="-120"/>
+                <a:ea typeface="微軟正黑體" pitchFamily="34" charset="-120"/>
+              </a:rPr>
+              <a:t>永遠與罪隔離</a:t>
+            </a:r>
+            <a:endParaRPr lang="en-US" altLang="zh-CN" sz="6400" b="1" dirty="0">
+              <a:solidFill>
+                <a:srgbClr val="000066"/>
+              </a:solidFill>
+              <a:latin typeface="微軟正黑體" pitchFamily="34" charset="-120"/>
+              <a:ea typeface="微軟正黑體" pitchFamily="34" charset="-120"/>
+            </a:endParaRPr>
+          </a:p>
+          <a:p>
+            <a:pPr algn="ctr">
+              <a:buNone/>
+            </a:pPr>
+            <a:r>
+              <a:rPr lang="zh-CN" altLang="en-US" sz="6400" b="1" dirty="0">
+                <a:solidFill>
+                  <a:srgbClr val="000066"/>
+                </a:solidFill>
+                <a:latin typeface="微軟正黑體" pitchFamily="34" charset="-120"/>
+                <a:ea typeface="微軟正黑體" pitchFamily="34" charset="-120"/>
+              </a:rPr>
+              <a:t>永遠與罪隔離</a:t>
+            </a:r>
+            <a:endParaRPr lang="zh-TW" altLang="en-US" sz="6400" b="1" dirty="0">
+              <a:solidFill>
+                <a:srgbClr val="000066"/>
+              </a:solidFill>
+              <a:latin typeface="微軟正黑體" pitchFamily="34" charset="-120"/>
+              <a:ea typeface="微軟正黑體" pitchFamily="34" charset="-120"/>
+            </a:endParaRPr>
+          </a:p>
+        </p:txBody>
+      </p:sp>
+    </p:spTree>
+    <p:extLst>
+      <p:ext uri="{BB962C8B-B14F-4D97-AF65-F5344CB8AC3E}">
+        <p14:creationId xmlns:p14="http://schemas.microsoft.com/office/powerpoint/2010/main" val="2265429563"/>
+      </p:ext>
+    </p:extLst>
+  </p:cSld>
+  <p:clrMapOvr>
+    <a:masterClrMapping/>
+  </p:clrMapOvr>
+</p:sld>
+</file>
+
+<file path=ppt/slides/slide9.xml><?xml version="1.0" encoding="utf-8"?>
+<p:sld xmlns:a="http://schemas.openxmlformats.org/drawingml/2006/main" xmlns:r="http://schemas.openxmlformats.org/officeDocument/2006/relationships" xmlns:p="http://schemas.openxmlformats.org/presentationml/2006/main">
+  <p:cSld>
+    <p:spTree>
+      <p:nvGrpSpPr>
+        <p:cNvPr id="1" name=""/>
+        <p:cNvGrpSpPr/>
+        <p:nvPr/>
+      </p:nvGrpSpPr>
+      <p:grpSpPr>
+        <a:xfrm>
+          <a:off x="0" y="0"/>
+          <a:ext cx="0" cy="0"/>
+          <a:chOff x="0" y="0"/>
+          <a:chExt cx="0" cy="0"/>
+        </a:xfrm>
+      </p:grpSpPr>
+      <p:sp>
+        <p:nvSpPr>
+          <p:cNvPr id="5" name="內容版面配置區 4"/>
+          <p:cNvSpPr>
+            <a:spLocks noGrp="1"/>
+          </p:cNvSpPr>
+          <p:nvPr>
+            <p:ph idx="1"/>
+          </p:nvPr>
+        </p:nvSpPr>
+        <p:spPr>
+          <a:xfrm>
+            <a:off x="0" y="2084851"/>
+            <a:ext cx="12192000" cy="2404863"/>
+          </a:xfrm>
+        </p:spPr>
+        <p:txBody>
+          <a:bodyPr anchor="ctr">
+            <a:normAutofit/>
+          </a:bodyPr>
+          <a:lstStyle/>
+          <a:p>
+            <a:pPr algn="ctr">
+              <a:buNone/>
+            </a:pPr>
+            <a:r>
+              <a:rPr lang="zh-CN" altLang="en-US" sz="6400" b="1" dirty="0">
+                <a:solidFill>
+                  <a:srgbClr val="000066"/>
+                </a:solidFill>
+                <a:latin typeface="微軟正黑體" pitchFamily="34" charset="-120"/>
+                <a:ea typeface="微軟正黑體" pitchFamily="34" charset="-120"/>
+              </a:rPr>
+              <a:t>被贖教會  洗得清潔</a:t>
+            </a:r>
+            <a:endParaRPr lang="en-US" altLang="zh-CN" sz="6400" b="1" dirty="0">
+              <a:solidFill>
+                <a:srgbClr val="000066"/>
+              </a:solidFill>
+              <a:latin typeface="微軟正黑體" pitchFamily="34" charset="-120"/>
+              <a:ea typeface="微軟正黑體" pitchFamily="34" charset="-120"/>
+            </a:endParaRPr>
+          </a:p>
+          <a:p>
+            <a:pPr algn="ctr">
+              <a:buNone/>
+            </a:pPr>
+            <a:r>
+              <a:rPr lang="zh-CN" altLang="en-US" sz="6400" b="1" dirty="0">
+                <a:solidFill>
+                  <a:srgbClr val="000066"/>
+                </a:solidFill>
+                <a:latin typeface="微軟正黑體" pitchFamily="34" charset="-120"/>
+                <a:ea typeface="微軟正黑體" pitchFamily="34" charset="-120"/>
+              </a:rPr>
+              <a:t>永遠與罪隔離</a:t>
+            </a:r>
+            <a:endParaRPr lang="zh-TW" altLang="en-US" sz="6400" b="1" dirty="0">
+              <a:solidFill>
+                <a:srgbClr val="000066"/>
+              </a:solidFill>
+              <a:latin typeface="微軟正黑體" pitchFamily="34" charset="-120"/>
+              <a:ea typeface="微軟正黑體" pitchFamily="34" charset="-120"/>
+            </a:endParaRPr>
+          </a:p>
+        </p:txBody>
+      </p:sp>
+    </p:spTree>
+    <p:extLst>
+      <p:ext uri="{BB962C8B-B14F-4D97-AF65-F5344CB8AC3E}">
+        <p14:creationId xmlns:p14="http://schemas.microsoft.com/office/powerpoint/2010/main" val="1218153015"/>
+      </p:ext>
+    </p:extLst>
   </p:cSld>
   <p:clrMapOvr>
     <a:masterClrMapping/>

--- a/救贖的恩典(崇拜版).pptx
+++ b/救贖的恩典(崇拜版).pptx
@@ -313,7 +313,7 @@
             <a:fld id="{DF646D27-C028-49C8-A06E-0469BE7D3348}" type="datetimeFigureOut">
               <a:rPr lang="zh-TW" altLang="en-US" smtClean="0"/>
               <a:pPr/>
-              <a:t>2021/4/3</a:t>
+              <a:t>2022/6/4</a:t>
             </a:fld>
             <a:endParaRPr lang="zh-TW" altLang="en-US"/>
           </a:p>
@@ -480,7 +480,7 @@
             <a:fld id="{DF646D27-C028-49C8-A06E-0469BE7D3348}" type="datetimeFigureOut">
               <a:rPr lang="zh-TW" altLang="en-US" smtClean="0"/>
               <a:pPr/>
-              <a:t>2021/4/3</a:t>
+              <a:t>2022/6/4</a:t>
             </a:fld>
             <a:endParaRPr lang="zh-TW" altLang="en-US"/>
           </a:p>
@@ -657,7 +657,7 @@
             <a:fld id="{DF646D27-C028-49C8-A06E-0469BE7D3348}" type="datetimeFigureOut">
               <a:rPr lang="zh-TW" altLang="en-US" smtClean="0"/>
               <a:pPr/>
-              <a:t>2021/4/3</a:t>
+              <a:t>2022/6/4</a:t>
             </a:fld>
             <a:endParaRPr lang="zh-TW" altLang="en-US"/>
           </a:p>
@@ -824,7 +824,7 @@
             <a:fld id="{DF646D27-C028-49C8-A06E-0469BE7D3348}" type="datetimeFigureOut">
               <a:rPr lang="zh-TW" altLang="en-US" smtClean="0"/>
               <a:pPr/>
-              <a:t>2021/4/3</a:t>
+              <a:t>2022/6/4</a:t>
             </a:fld>
             <a:endParaRPr lang="zh-TW" altLang="en-US"/>
           </a:p>
@@ -1067,7 +1067,7 @@
             <a:fld id="{DF646D27-C028-49C8-A06E-0469BE7D3348}" type="datetimeFigureOut">
               <a:rPr lang="zh-TW" altLang="en-US" smtClean="0"/>
               <a:pPr/>
-              <a:t>2021/4/3</a:t>
+              <a:t>2022/6/4</a:t>
             </a:fld>
             <a:endParaRPr lang="zh-TW" altLang="en-US"/>
           </a:p>
@@ -1352,7 +1352,7 @@
             <a:fld id="{DF646D27-C028-49C8-A06E-0469BE7D3348}" type="datetimeFigureOut">
               <a:rPr lang="zh-TW" altLang="en-US" smtClean="0"/>
               <a:pPr/>
-              <a:t>2021/4/3</a:t>
+              <a:t>2022/6/4</a:t>
             </a:fld>
             <a:endParaRPr lang="zh-TW" altLang="en-US"/>
           </a:p>
@@ -1771,7 +1771,7 @@
             <a:fld id="{DF646D27-C028-49C8-A06E-0469BE7D3348}" type="datetimeFigureOut">
               <a:rPr lang="zh-TW" altLang="en-US" smtClean="0"/>
               <a:pPr/>
-              <a:t>2021/4/3</a:t>
+              <a:t>2022/6/4</a:t>
             </a:fld>
             <a:endParaRPr lang="zh-TW" altLang="en-US"/>
           </a:p>
@@ -1886,7 +1886,7 @@
             <a:fld id="{DF646D27-C028-49C8-A06E-0469BE7D3348}" type="datetimeFigureOut">
               <a:rPr lang="zh-TW" altLang="en-US" smtClean="0"/>
               <a:pPr/>
-              <a:t>2021/4/3</a:t>
+              <a:t>2022/6/4</a:t>
             </a:fld>
             <a:endParaRPr lang="zh-TW" altLang="en-US"/>
           </a:p>
@@ -1978,7 +1978,7 @@
             <a:fld id="{DF646D27-C028-49C8-A06E-0469BE7D3348}" type="datetimeFigureOut">
               <a:rPr lang="zh-TW" altLang="en-US" smtClean="0"/>
               <a:pPr/>
-              <a:t>2021/4/3</a:t>
+              <a:t>2022/6/4</a:t>
             </a:fld>
             <a:endParaRPr lang="zh-TW" altLang="en-US"/>
           </a:p>
@@ -2252,7 +2252,7 @@
             <a:fld id="{DF646D27-C028-49C8-A06E-0469BE7D3348}" type="datetimeFigureOut">
               <a:rPr lang="zh-TW" altLang="en-US" smtClean="0"/>
               <a:pPr/>
-              <a:t>2021/4/3</a:t>
+              <a:t>2022/6/4</a:t>
             </a:fld>
             <a:endParaRPr lang="zh-TW" altLang="en-US"/>
           </a:p>
@@ -2506,7 +2506,7 @@
             <a:fld id="{DF646D27-C028-49C8-A06E-0469BE7D3348}" type="datetimeFigureOut">
               <a:rPr lang="zh-TW" altLang="en-US" smtClean="0"/>
               <a:pPr/>
-              <a:t>2021/4/3</a:t>
+              <a:t>2022/6/4</a:t>
             </a:fld>
             <a:endParaRPr lang="zh-TW" altLang="en-US"/>
           </a:p>
@@ -2721,7 +2721,7 @@
             <a:fld id="{DF646D27-C028-49C8-A06E-0469BE7D3348}" type="datetimeFigureOut">
               <a:rPr lang="zh-TW" altLang="en-US" smtClean="0"/>
               <a:pPr/>
-              <a:t>2021/4/3</a:t>
+              <a:t>2022/6/4</a:t>
             </a:fld>
             <a:endParaRPr lang="zh-TW" altLang="en-US"/>
           </a:p>
@@ -3129,24 +3129,7 @@
                 <a:latin typeface="微軟正黑體" pitchFamily="34" charset="-120"/>
                 <a:ea typeface="微軟正黑體" pitchFamily="34" charset="-120"/>
               </a:rPr>
-              <a:t>救</a:t>
-            </a:r>
-            <a:r>
-              <a:rPr lang="zh-CN" altLang="en-US" sz="7200" b="1" i="1" dirty="0">
-                <a:solidFill>
-                  <a:srgbClr val="000066"/>
-                </a:solidFill>
-                <a:effectLst>
-                  <a:outerShdw blurRad="38100" dist="38100" dir="2700000" algn="tl">
-                    <a:srgbClr val="000000">
-                      <a:alpha val="43137"/>
-                    </a:srgbClr>
-                  </a:outerShdw>
-                </a:effectLst>
-                <a:latin typeface="微軟正黑體" pitchFamily="34" charset="-120"/>
-                <a:ea typeface="微軟正黑體" pitchFamily="34" charset="-120"/>
-              </a:rPr>
-              <a:t>贖的恩典</a:t>
+              <a:t>救贖的恩典</a:t>
             </a:r>
             <a:endParaRPr lang="zh-TW" altLang="en-US" sz="7200" b="1" i="1" dirty="0">
               <a:solidFill>
@@ -3282,6 +3265,68 @@
           </a:p>
         </p:txBody>
       </p:sp>
+      <p:sp>
+        <p:nvSpPr>
+          <p:cNvPr id="3" name="TextBox 2"/>
+          <p:cNvSpPr txBox="1"/>
+          <p:nvPr/>
+        </p:nvSpPr>
+        <p:spPr>
+          <a:xfrm>
+            <a:off x="0" y="5157192"/>
+            <a:ext cx="12192000" cy="707886"/>
+          </a:xfrm>
+          <a:prstGeom prst="rect">
+            <a:avLst/>
+          </a:prstGeom>
+          <a:noFill/>
+        </p:spPr>
+        <p:txBody>
+          <a:bodyPr wrap="square" rtlCol="0">
+            <a:spAutoFit/>
+          </a:bodyPr>
+          <a:lstStyle/>
+          <a:p>
+            <a:pPr algn="ctr"/>
+            <a:r>
+              <a:rPr lang="en-US" sz="4000" b="1" dirty="0" smtClean="0">
+                <a:solidFill>
+                  <a:srgbClr val="000066"/>
+                </a:solidFill>
+                <a:latin typeface="Microsoft JhengHei" panose="020B0604030504040204" pitchFamily="34" charset="-120"/>
+                <a:ea typeface="Microsoft JhengHei" panose="020B0604030504040204" pitchFamily="34" charset="-120"/>
+              </a:rPr>
+              <a:t>( </a:t>
+            </a:r>
+            <a:r>
+              <a:rPr lang="zh-CN" altLang="en-US" sz="4000" b="1" dirty="0" smtClean="0">
+                <a:solidFill>
+                  <a:srgbClr val="000066"/>
+                </a:solidFill>
+                <a:latin typeface="Microsoft JhengHei" panose="020B0604030504040204" pitchFamily="34" charset="-120"/>
+                <a:ea typeface="Microsoft JhengHei" panose="020B0604030504040204" pitchFamily="34" charset="-120"/>
+              </a:rPr>
+              <a:t>正</a:t>
+            </a:r>
+            <a:r>
+              <a:rPr lang="en-US" sz="4000" b="1" dirty="0" smtClean="0">
+                <a:solidFill>
+                  <a:srgbClr val="000066"/>
+                </a:solidFill>
+                <a:latin typeface="Microsoft JhengHei" panose="020B0604030504040204" pitchFamily="34" charset="-120"/>
+                <a:ea typeface="Microsoft JhengHei" panose="020B0604030504040204" pitchFamily="34" charset="-120"/>
+              </a:rPr>
+              <a:t> )</a:t>
+            </a:r>
+            <a:endParaRPr lang="vi-VN" sz="4000" b="1" dirty="0">
+              <a:solidFill>
+                <a:srgbClr val="000066"/>
+              </a:solidFill>
+              <a:ea typeface="Microsoft JhengHei" panose="020B0604030504040204" pitchFamily="34" charset="-120"/>
+            </a:endParaRPr>
+          </a:p>
+        </p:txBody>
+      </p:sp>
     </p:spTree>
     <p:extLst>
       <p:ext uri="{BB962C8B-B14F-4D97-AF65-F5344CB8AC3E}">
@@ -3389,12 +3434,67 @@
               </a:rPr>
               <a:t>使我回到天父面前</a:t>
             </a:r>
-            <a:endParaRPr lang="zh-TW" altLang="en-US" sz="6400" b="1" dirty="0">
+          </a:p>
+        </p:txBody>
+      </p:sp>
+      <p:sp>
+        <p:nvSpPr>
+          <p:cNvPr id="3" name="TextBox 2"/>
+          <p:cNvSpPr txBox="1"/>
+          <p:nvPr/>
+        </p:nvSpPr>
+        <p:spPr>
+          <a:xfrm>
+            <a:off x="0" y="5157192"/>
+            <a:ext cx="12192000" cy="707886"/>
+          </a:xfrm>
+          <a:prstGeom prst="rect">
+            <a:avLst/>
+          </a:prstGeom>
+          <a:noFill/>
+        </p:spPr>
+        <p:txBody>
+          <a:bodyPr wrap="square" rtlCol="0">
+            <a:spAutoFit/>
+          </a:bodyPr>
+          <a:lstStyle/>
+          <a:p>
+            <a:pPr algn="ctr"/>
+            <a:r>
+              <a:rPr lang="en-US" sz="4000" b="1" dirty="0" smtClean="0">
+                <a:solidFill>
+                  <a:srgbClr val="000066"/>
+                </a:solidFill>
+                <a:latin typeface="Microsoft JhengHei" panose="020B0604030504040204" pitchFamily="34" charset="-120"/>
+                <a:ea typeface="Microsoft JhengHei" panose="020B0604030504040204" pitchFamily="34" charset="-120"/>
+              </a:rPr>
+              <a:t>( </a:t>
+            </a:r>
+            <a:r>
+              <a:rPr lang="zh-CN" altLang="en-US" sz="4000" b="1" dirty="0" smtClean="0">
+                <a:solidFill>
+                  <a:srgbClr val="000066"/>
+                </a:solidFill>
+                <a:latin typeface="Microsoft JhengHei" panose="020B0604030504040204" pitchFamily="34" charset="-120"/>
+                <a:ea typeface="Microsoft JhengHei" panose="020B0604030504040204" pitchFamily="34" charset="-120"/>
+              </a:rPr>
+              <a:t>正</a:t>
+            </a:r>
+            <a:r>
+              <a:rPr lang="en-US" sz="4000" b="1" dirty="0" smtClean="0">
+                <a:solidFill>
+                  <a:srgbClr val="000066"/>
+                </a:solidFill>
+                <a:latin typeface="Microsoft JhengHei" panose="020B0604030504040204" pitchFamily="34" charset="-120"/>
+                <a:ea typeface="Microsoft JhengHei" panose="020B0604030504040204" pitchFamily="34" charset="-120"/>
+              </a:rPr>
+              <a:t> )</a:t>
+            </a:r>
+            <a:endParaRPr lang="vi-VN" sz="4000" b="1" dirty="0">
               <a:solidFill>
                 <a:srgbClr val="000066"/>
               </a:solidFill>
-              <a:latin typeface="微軟正黑體" pitchFamily="34" charset="-120"/>
-              <a:ea typeface="微軟正黑體" pitchFamily="34" charset="-120"/>
+              <a:ea typeface="Microsoft JhengHei" panose="020B0604030504040204" pitchFamily="34" charset="-120"/>
             </a:endParaRPr>
           </a:p>
         </p:txBody>
@@ -3516,6 +3616,68 @@
           </a:p>
         </p:txBody>
       </p:sp>
+      <p:sp>
+        <p:nvSpPr>
+          <p:cNvPr id="3" name="TextBox 2"/>
+          <p:cNvSpPr txBox="1"/>
+          <p:nvPr/>
+        </p:nvSpPr>
+        <p:spPr>
+          <a:xfrm>
+            <a:off x="0" y="5157192"/>
+            <a:ext cx="12192000" cy="707886"/>
+          </a:xfrm>
+          <a:prstGeom prst="rect">
+            <a:avLst/>
+          </a:prstGeom>
+          <a:noFill/>
+        </p:spPr>
+        <p:txBody>
+          <a:bodyPr wrap="square" rtlCol="0">
+            <a:spAutoFit/>
+          </a:bodyPr>
+          <a:lstStyle/>
+          <a:p>
+            <a:pPr algn="ctr"/>
+            <a:r>
+              <a:rPr lang="en-US" sz="4000" b="1" dirty="0" smtClean="0">
+                <a:solidFill>
+                  <a:srgbClr val="000066"/>
+                </a:solidFill>
+                <a:latin typeface="Microsoft JhengHei" panose="020B0604030504040204" pitchFamily="34" charset="-120"/>
+                <a:ea typeface="Microsoft JhengHei" panose="020B0604030504040204" pitchFamily="34" charset="-120"/>
+              </a:rPr>
+              <a:t>( </a:t>
+            </a:r>
+            <a:r>
+              <a:rPr lang="zh-CN" altLang="en-US" sz="4000" b="1" dirty="0" smtClean="0">
+                <a:solidFill>
+                  <a:srgbClr val="000066"/>
+                </a:solidFill>
+                <a:latin typeface="Microsoft JhengHei" panose="020B0604030504040204" pitchFamily="34" charset="-120"/>
+                <a:ea typeface="Microsoft JhengHei" panose="020B0604030504040204" pitchFamily="34" charset="-120"/>
+              </a:rPr>
+              <a:t>正</a:t>
+            </a:r>
+            <a:r>
+              <a:rPr lang="en-US" sz="4000" b="1" dirty="0" smtClean="0">
+                <a:solidFill>
+                  <a:srgbClr val="000066"/>
+                </a:solidFill>
+                <a:latin typeface="Microsoft JhengHei" panose="020B0604030504040204" pitchFamily="34" charset="-120"/>
+                <a:ea typeface="Microsoft JhengHei" panose="020B0604030504040204" pitchFamily="34" charset="-120"/>
+              </a:rPr>
+              <a:t> )</a:t>
+            </a:r>
+            <a:endParaRPr lang="vi-VN" sz="4000" b="1" dirty="0">
+              <a:solidFill>
+                <a:srgbClr val="000066"/>
+              </a:solidFill>
+              <a:ea typeface="Microsoft JhengHei" panose="020B0604030504040204" pitchFamily="34" charset="-120"/>
+            </a:endParaRPr>
+          </a:p>
+        </p:txBody>
+      </p:sp>
     </p:spTree>
     <p:extLst>
       <p:ext uri="{BB962C8B-B14F-4D97-AF65-F5344CB8AC3E}">
@@ -3613,12 +3775,67 @@
               </a:rPr>
               <a:t>使我永遠與罪隔離</a:t>
             </a:r>
-            <a:endParaRPr lang="zh-TW" altLang="en-US" sz="6400" b="1" dirty="0">
+          </a:p>
+        </p:txBody>
+      </p:sp>
+      <p:sp>
+        <p:nvSpPr>
+          <p:cNvPr id="3" name="TextBox 2"/>
+          <p:cNvSpPr txBox="1"/>
+          <p:nvPr/>
+        </p:nvSpPr>
+        <p:spPr>
+          <a:xfrm>
+            <a:off x="0" y="5157192"/>
+            <a:ext cx="12192000" cy="707886"/>
+          </a:xfrm>
+          <a:prstGeom prst="rect">
+            <a:avLst/>
+          </a:prstGeom>
+          <a:noFill/>
+        </p:spPr>
+        <p:txBody>
+          <a:bodyPr wrap="square" rtlCol="0">
+            <a:spAutoFit/>
+          </a:bodyPr>
+          <a:lstStyle/>
+          <a:p>
+            <a:pPr algn="ctr"/>
+            <a:r>
+              <a:rPr lang="en-US" sz="4000" b="1" dirty="0" smtClean="0">
+                <a:solidFill>
+                  <a:srgbClr val="000066"/>
+                </a:solidFill>
+                <a:latin typeface="Microsoft JhengHei" panose="020B0604030504040204" pitchFamily="34" charset="-120"/>
+                <a:ea typeface="Microsoft JhengHei" panose="020B0604030504040204" pitchFamily="34" charset="-120"/>
+              </a:rPr>
+              <a:t>( </a:t>
+            </a:r>
+            <a:r>
+              <a:rPr lang="zh-CN" altLang="en-US" sz="4000" b="1" dirty="0" smtClean="0">
+                <a:solidFill>
+                  <a:srgbClr val="000066"/>
+                </a:solidFill>
+                <a:latin typeface="Microsoft JhengHei" panose="020B0604030504040204" pitchFamily="34" charset="-120"/>
+                <a:ea typeface="Microsoft JhengHei" panose="020B0604030504040204" pitchFamily="34" charset="-120"/>
+              </a:rPr>
+              <a:t>正</a:t>
+            </a:r>
+            <a:r>
+              <a:rPr lang="en-US" sz="4000" b="1" dirty="0" smtClean="0">
+                <a:solidFill>
+                  <a:srgbClr val="000066"/>
+                </a:solidFill>
+                <a:latin typeface="Microsoft JhengHei" panose="020B0604030504040204" pitchFamily="34" charset="-120"/>
+                <a:ea typeface="Microsoft JhengHei" panose="020B0604030504040204" pitchFamily="34" charset="-120"/>
+              </a:rPr>
+              <a:t> )</a:t>
+            </a:r>
+            <a:endParaRPr lang="vi-VN" sz="4000" b="1" dirty="0">
               <a:solidFill>
                 <a:srgbClr val="000066"/>
               </a:solidFill>
-              <a:latin typeface="微軟正黑體" pitchFamily="34" charset="-120"/>
-              <a:ea typeface="微軟正黑體" pitchFamily="34" charset="-120"/>
+              <a:ea typeface="Microsoft JhengHei" panose="020B0604030504040204" pitchFamily="34" charset="-120"/>
             </a:endParaRPr>
           </a:p>
         </p:txBody>
@@ -3740,6 +3957,78 @@
           </a:p>
         </p:txBody>
       </p:sp>
+      <p:sp>
+        <p:nvSpPr>
+          <p:cNvPr id="3" name="TextBox 2"/>
+          <p:cNvSpPr txBox="1"/>
+          <p:nvPr/>
+        </p:nvSpPr>
+        <p:spPr>
+          <a:xfrm>
+            <a:off x="0" y="5157192"/>
+            <a:ext cx="12192000" cy="707886"/>
+          </a:xfrm>
+          <a:prstGeom prst="rect">
+            <a:avLst/>
+          </a:prstGeom>
+          <a:noFill/>
+        </p:spPr>
+        <p:txBody>
+          <a:bodyPr wrap="square" rtlCol="0">
+            <a:spAutoFit/>
+          </a:bodyPr>
+          <a:lstStyle/>
+          <a:p>
+            <a:pPr algn="ctr"/>
+            <a:r>
+              <a:rPr lang="en-US" sz="4000" b="1" dirty="0" smtClean="0">
+                <a:solidFill>
+                  <a:srgbClr val="000066"/>
+                </a:solidFill>
+                <a:latin typeface="Microsoft JhengHei" panose="020B0604030504040204" pitchFamily="34" charset="-120"/>
+                <a:ea typeface="Microsoft JhengHei" panose="020B0604030504040204" pitchFamily="34" charset="-120"/>
+              </a:rPr>
+              <a:t>( </a:t>
+            </a:r>
+            <a:r>
+              <a:rPr lang="zh-CN" altLang="en-US" sz="4000" b="1" dirty="0" smtClean="0">
+                <a:solidFill>
+                  <a:srgbClr val="000066"/>
+                </a:solidFill>
+                <a:latin typeface="Microsoft JhengHei" panose="020B0604030504040204" pitchFamily="34" charset="-120"/>
+                <a:ea typeface="Microsoft JhengHei" panose="020B0604030504040204" pitchFamily="34" charset="-120"/>
+              </a:rPr>
+              <a:t>副</a:t>
+            </a:r>
+            <a:r>
+              <a:rPr lang="en-US" sz="4000" b="1" dirty="0" smtClean="0">
+                <a:solidFill>
+                  <a:srgbClr val="000066"/>
+                </a:solidFill>
+                <a:latin typeface="Microsoft JhengHei" panose="020B0604030504040204" pitchFamily="34" charset="-120"/>
+                <a:ea typeface="Microsoft JhengHei" panose="020B0604030504040204" pitchFamily="34" charset="-120"/>
+              </a:rPr>
+              <a:t> </a:t>
+            </a:r>
+            <a:r>
+              <a:rPr lang="en-US" sz="4000" b="1" dirty="0" smtClean="0">
+                <a:solidFill>
+                  <a:srgbClr val="000066"/>
+                </a:solidFill>
+                <a:latin typeface="Microsoft JhengHei" panose="020B0604030504040204" pitchFamily="34" charset="-120"/>
+                <a:ea typeface="Microsoft JhengHei" panose="020B0604030504040204" pitchFamily="34" charset="-120"/>
+              </a:rPr>
+              <a:t>)</a:t>
+            </a:r>
+            <a:endParaRPr lang="vi-VN" sz="4000" b="1" dirty="0">
+              <a:solidFill>
+                <a:srgbClr val="000066"/>
+              </a:solidFill>
+              <a:ea typeface="Microsoft JhengHei" panose="020B0604030504040204" pitchFamily="34" charset="-120"/>
+            </a:endParaRPr>
+          </a:p>
+        </p:txBody>
+      </p:sp>
     </p:spTree>
     <p:extLst>
       <p:ext uri="{BB962C8B-B14F-4D97-AF65-F5344CB8AC3E}">
@@ -3867,12 +4156,77 @@
               </a:rPr>
               <a:t>那救贖的恩典</a:t>
             </a:r>
-            <a:endParaRPr lang="zh-TW" altLang="en-US" sz="6400" b="1" dirty="0">
+          </a:p>
+        </p:txBody>
+      </p:sp>
+      <p:sp>
+        <p:nvSpPr>
+          <p:cNvPr id="3" name="TextBox 2"/>
+          <p:cNvSpPr txBox="1"/>
+          <p:nvPr/>
+        </p:nvSpPr>
+        <p:spPr>
+          <a:xfrm>
+            <a:off x="0" y="5157192"/>
+            <a:ext cx="12192000" cy="707886"/>
+          </a:xfrm>
+          <a:prstGeom prst="rect">
+            <a:avLst/>
+          </a:prstGeom>
+          <a:noFill/>
+        </p:spPr>
+        <p:txBody>
+          <a:bodyPr wrap="square" rtlCol="0">
+            <a:spAutoFit/>
+          </a:bodyPr>
+          <a:lstStyle/>
+          <a:p>
+            <a:pPr algn="ctr"/>
+            <a:r>
+              <a:rPr lang="en-US" sz="4000" b="1" dirty="0" smtClean="0">
+                <a:solidFill>
+                  <a:srgbClr val="000066"/>
+                </a:solidFill>
+                <a:latin typeface="Microsoft JhengHei" panose="020B0604030504040204" pitchFamily="34" charset="-120"/>
+                <a:ea typeface="Microsoft JhengHei" panose="020B0604030504040204" pitchFamily="34" charset="-120"/>
+              </a:rPr>
+              <a:t>( </a:t>
+            </a:r>
+            <a:r>
+              <a:rPr lang="zh-CN" altLang="en-US" sz="4000" b="1" dirty="0" smtClean="0">
+                <a:solidFill>
+                  <a:srgbClr val="000066"/>
+                </a:solidFill>
+                <a:latin typeface="Microsoft JhengHei" panose="020B0604030504040204" pitchFamily="34" charset="-120"/>
+                <a:ea typeface="Microsoft JhengHei" panose="020B0604030504040204" pitchFamily="34" charset="-120"/>
+              </a:rPr>
+              <a:t>副</a:t>
+            </a:r>
+            <a:r>
+              <a:rPr lang="en-US" sz="4000" b="1" dirty="0" smtClean="0">
+                <a:solidFill>
+                  <a:srgbClr val="000066"/>
+                </a:solidFill>
+                <a:latin typeface="Microsoft JhengHei" panose="020B0604030504040204" pitchFamily="34" charset="-120"/>
+                <a:ea typeface="Microsoft JhengHei" panose="020B0604030504040204" pitchFamily="34" charset="-120"/>
+              </a:rPr>
+              <a:t> </a:t>
+            </a:r>
+            <a:r>
+              <a:rPr lang="en-US" sz="4000" b="1" dirty="0" smtClean="0">
+                <a:solidFill>
+                  <a:srgbClr val="000066"/>
+                </a:solidFill>
+                <a:latin typeface="Microsoft JhengHei" panose="020B0604030504040204" pitchFamily="34" charset="-120"/>
+                <a:ea typeface="Microsoft JhengHei" panose="020B0604030504040204" pitchFamily="34" charset="-120"/>
+              </a:rPr>
+              <a:t>)</a:t>
+            </a:r>
+            <a:endParaRPr lang="vi-VN" sz="4000" b="1" dirty="0">
               <a:solidFill>
                 <a:srgbClr val="000066"/>
               </a:solidFill>
-              <a:latin typeface="微軟正黑體" pitchFamily="34" charset="-120"/>
-              <a:ea typeface="微軟正黑體" pitchFamily="34" charset="-120"/>
+              <a:ea typeface="Microsoft JhengHei" panose="020B0604030504040204" pitchFamily="34" charset="-120"/>
             </a:endParaRPr>
           </a:p>
         </p:txBody>
@@ -3974,6 +4328,78 @@
           </a:p>
         </p:txBody>
       </p:sp>
+      <p:sp>
+        <p:nvSpPr>
+          <p:cNvPr id="3" name="TextBox 2"/>
+          <p:cNvSpPr txBox="1"/>
+          <p:nvPr/>
+        </p:nvSpPr>
+        <p:spPr>
+          <a:xfrm>
+            <a:off x="0" y="5157192"/>
+            <a:ext cx="12192000" cy="707886"/>
+          </a:xfrm>
+          <a:prstGeom prst="rect">
+            <a:avLst/>
+          </a:prstGeom>
+          <a:noFill/>
+        </p:spPr>
+        <p:txBody>
+          <a:bodyPr wrap="square" rtlCol="0">
+            <a:spAutoFit/>
+          </a:bodyPr>
+          <a:lstStyle/>
+          <a:p>
+            <a:pPr algn="ctr"/>
+            <a:r>
+              <a:rPr lang="en-US" sz="4000" b="1" dirty="0" smtClean="0">
+                <a:solidFill>
+                  <a:srgbClr val="000066"/>
+                </a:solidFill>
+                <a:latin typeface="Microsoft JhengHei" panose="020B0604030504040204" pitchFamily="34" charset="-120"/>
+                <a:ea typeface="Microsoft JhengHei" panose="020B0604030504040204" pitchFamily="34" charset="-120"/>
+              </a:rPr>
+              <a:t>( </a:t>
+            </a:r>
+            <a:r>
+              <a:rPr lang="zh-CN" altLang="en-US" sz="4000" b="1" dirty="0" smtClean="0">
+                <a:solidFill>
+                  <a:srgbClr val="000066"/>
+                </a:solidFill>
+                <a:latin typeface="Microsoft JhengHei" panose="020B0604030504040204" pitchFamily="34" charset="-120"/>
+                <a:ea typeface="Microsoft JhengHei" panose="020B0604030504040204" pitchFamily="34" charset="-120"/>
+              </a:rPr>
+              <a:t>橋</a:t>
+            </a:r>
+            <a:r>
+              <a:rPr lang="en-US" sz="4000" b="1" dirty="0" smtClean="0">
+                <a:solidFill>
+                  <a:srgbClr val="000066"/>
+                </a:solidFill>
+                <a:latin typeface="Microsoft JhengHei" panose="020B0604030504040204" pitchFamily="34" charset="-120"/>
+                <a:ea typeface="Microsoft JhengHei" panose="020B0604030504040204" pitchFamily="34" charset="-120"/>
+              </a:rPr>
+              <a:t> </a:t>
+            </a:r>
+            <a:r>
+              <a:rPr lang="en-US" sz="4000" b="1" dirty="0" smtClean="0">
+                <a:solidFill>
+                  <a:srgbClr val="000066"/>
+                </a:solidFill>
+                <a:latin typeface="Microsoft JhengHei" panose="020B0604030504040204" pitchFamily="34" charset="-120"/>
+                <a:ea typeface="Microsoft JhengHei" panose="020B0604030504040204" pitchFamily="34" charset="-120"/>
+              </a:rPr>
+              <a:t>)</a:t>
+            </a:r>
+            <a:endParaRPr lang="vi-VN" sz="4000" b="1" dirty="0">
+              <a:solidFill>
+                <a:srgbClr val="000066"/>
+              </a:solidFill>
+              <a:ea typeface="Microsoft JhengHei" panose="020B0604030504040204" pitchFamily="34" charset="-120"/>
+            </a:endParaRPr>
+          </a:p>
+        </p:txBody>
+      </p:sp>
     </p:spTree>
     <p:extLst>
       <p:ext uri="{BB962C8B-B14F-4D97-AF65-F5344CB8AC3E}">
@@ -4067,6 +4493,78 @@
               </a:solidFill>
               <a:latin typeface="微軟正黑體" pitchFamily="34" charset="-120"/>
               <a:ea typeface="微軟正黑體" pitchFamily="34" charset="-120"/>
+            </a:endParaRPr>
+          </a:p>
+        </p:txBody>
+      </p:sp>
+      <p:sp>
+        <p:nvSpPr>
+          <p:cNvPr id="3" name="TextBox 2"/>
+          <p:cNvSpPr txBox="1"/>
+          <p:nvPr/>
+        </p:nvSpPr>
+        <p:spPr>
+          <a:xfrm>
+            <a:off x="0" y="5157192"/>
+            <a:ext cx="12192000" cy="707886"/>
+          </a:xfrm>
+          <a:prstGeom prst="rect">
+            <a:avLst/>
+          </a:prstGeom>
+          <a:noFill/>
+        </p:spPr>
+        <p:txBody>
+          <a:bodyPr wrap="square" rtlCol="0">
+            <a:spAutoFit/>
+          </a:bodyPr>
+          <a:lstStyle/>
+          <a:p>
+            <a:pPr algn="ctr"/>
+            <a:r>
+              <a:rPr lang="en-US" sz="4000" b="1" dirty="0" smtClean="0">
+                <a:solidFill>
+                  <a:srgbClr val="000066"/>
+                </a:solidFill>
+                <a:latin typeface="Microsoft JhengHei" panose="020B0604030504040204" pitchFamily="34" charset="-120"/>
+                <a:ea typeface="Microsoft JhengHei" panose="020B0604030504040204" pitchFamily="34" charset="-120"/>
+              </a:rPr>
+              <a:t>( </a:t>
+            </a:r>
+            <a:r>
+              <a:rPr lang="zh-CN" altLang="en-US" sz="4000" b="1" dirty="0" smtClean="0">
+                <a:solidFill>
+                  <a:srgbClr val="000066"/>
+                </a:solidFill>
+                <a:latin typeface="Microsoft JhengHei" panose="020B0604030504040204" pitchFamily="34" charset="-120"/>
+                <a:ea typeface="Microsoft JhengHei" panose="020B0604030504040204" pitchFamily="34" charset="-120"/>
+              </a:rPr>
+              <a:t>橋</a:t>
+            </a:r>
+            <a:r>
+              <a:rPr lang="en-US" sz="4000" b="1" dirty="0" smtClean="0">
+                <a:solidFill>
+                  <a:srgbClr val="000066"/>
+                </a:solidFill>
+                <a:latin typeface="Microsoft JhengHei" panose="020B0604030504040204" pitchFamily="34" charset="-120"/>
+                <a:ea typeface="Microsoft JhengHei" panose="020B0604030504040204" pitchFamily="34" charset="-120"/>
+              </a:rPr>
+              <a:t> </a:t>
+            </a:r>
+            <a:r>
+              <a:rPr lang="en-US" sz="4000" b="1" dirty="0" smtClean="0">
+                <a:solidFill>
+                  <a:srgbClr val="000066"/>
+                </a:solidFill>
+                <a:latin typeface="Microsoft JhengHei" panose="020B0604030504040204" pitchFamily="34" charset="-120"/>
+                <a:ea typeface="Microsoft JhengHei" panose="020B0604030504040204" pitchFamily="34" charset="-120"/>
+              </a:rPr>
+              <a:t>)</a:t>
+            </a:r>
+            <a:endParaRPr lang="vi-VN" sz="4000" b="1" dirty="0">
+              <a:solidFill>
+                <a:srgbClr val="000066"/>
+              </a:solidFill>
+              <a:ea typeface="Microsoft JhengHei" panose="020B0604030504040204" pitchFamily="34" charset="-120"/>
             </a:endParaRPr>
           </a:p>
         </p:txBody>

--- a/救贖的恩典(崇拜版).pptx
+++ b/救贖的恩典(崇拜版).pptx
@@ -313,7 +313,7 @@
             <a:fld id="{DF646D27-C028-49C8-A06E-0469BE7D3348}" type="datetimeFigureOut">
               <a:rPr lang="zh-TW" altLang="en-US" smtClean="0"/>
               <a:pPr/>
-              <a:t>2022/6/4</a:t>
+              <a:t>2023/8/31</a:t>
             </a:fld>
             <a:endParaRPr lang="zh-TW" altLang="en-US"/>
           </a:p>
@@ -480,7 +480,7 @@
             <a:fld id="{DF646D27-C028-49C8-A06E-0469BE7D3348}" type="datetimeFigureOut">
               <a:rPr lang="zh-TW" altLang="en-US" smtClean="0"/>
               <a:pPr/>
-              <a:t>2022/6/4</a:t>
+              <a:t>2023/8/31</a:t>
             </a:fld>
             <a:endParaRPr lang="zh-TW" altLang="en-US"/>
           </a:p>
@@ -657,7 +657,7 @@
             <a:fld id="{DF646D27-C028-49C8-A06E-0469BE7D3348}" type="datetimeFigureOut">
               <a:rPr lang="zh-TW" altLang="en-US" smtClean="0"/>
               <a:pPr/>
-              <a:t>2022/6/4</a:t>
+              <a:t>2023/8/31</a:t>
             </a:fld>
             <a:endParaRPr lang="zh-TW" altLang="en-US"/>
           </a:p>
@@ -824,7 +824,7 @@
             <a:fld id="{DF646D27-C028-49C8-A06E-0469BE7D3348}" type="datetimeFigureOut">
               <a:rPr lang="zh-TW" altLang="en-US" smtClean="0"/>
               <a:pPr/>
-              <a:t>2022/6/4</a:t>
+              <a:t>2023/8/31</a:t>
             </a:fld>
             <a:endParaRPr lang="zh-TW" altLang="en-US"/>
           </a:p>
@@ -1067,7 +1067,7 @@
             <a:fld id="{DF646D27-C028-49C8-A06E-0469BE7D3348}" type="datetimeFigureOut">
               <a:rPr lang="zh-TW" altLang="en-US" smtClean="0"/>
               <a:pPr/>
-              <a:t>2022/6/4</a:t>
+              <a:t>2023/8/31</a:t>
             </a:fld>
             <a:endParaRPr lang="zh-TW" altLang="en-US"/>
           </a:p>
@@ -1352,7 +1352,7 @@
             <a:fld id="{DF646D27-C028-49C8-A06E-0469BE7D3348}" type="datetimeFigureOut">
               <a:rPr lang="zh-TW" altLang="en-US" smtClean="0"/>
               <a:pPr/>
-              <a:t>2022/6/4</a:t>
+              <a:t>2023/8/31</a:t>
             </a:fld>
             <a:endParaRPr lang="zh-TW" altLang="en-US"/>
           </a:p>
@@ -1771,7 +1771,7 @@
             <a:fld id="{DF646D27-C028-49C8-A06E-0469BE7D3348}" type="datetimeFigureOut">
               <a:rPr lang="zh-TW" altLang="en-US" smtClean="0"/>
               <a:pPr/>
-              <a:t>2022/6/4</a:t>
+              <a:t>2023/8/31</a:t>
             </a:fld>
             <a:endParaRPr lang="zh-TW" altLang="en-US"/>
           </a:p>
@@ -1886,7 +1886,7 @@
             <a:fld id="{DF646D27-C028-49C8-A06E-0469BE7D3348}" type="datetimeFigureOut">
               <a:rPr lang="zh-TW" altLang="en-US" smtClean="0"/>
               <a:pPr/>
-              <a:t>2022/6/4</a:t>
+              <a:t>2023/8/31</a:t>
             </a:fld>
             <a:endParaRPr lang="zh-TW" altLang="en-US"/>
           </a:p>
@@ -1978,7 +1978,7 @@
             <a:fld id="{DF646D27-C028-49C8-A06E-0469BE7D3348}" type="datetimeFigureOut">
               <a:rPr lang="zh-TW" altLang="en-US" smtClean="0"/>
               <a:pPr/>
-              <a:t>2022/6/4</a:t>
+              <a:t>2023/8/31</a:t>
             </a:fld>
             <a:endParaRPr lang="zh-TW" altLang="en-US"/>
           </a:p>
@@ -2252,7 +2252,7 @@
             <a:fld id="{DF646D27-C028-49C8-A06E-0469BE7D3348}" type="datetimeFigureOut">
               <a:rPr lang="zh-TW" altLang="en-US" smtClean="0"/>
               <a:pPr/>
-              <a:t>2022/6/4</a:t>
+              <a:t>2023/8/31</a:t>
             </a:fld>
             <a:endParaRPr lang="zh-TW" altLang="en-US"/>
           </a:p>
@@ -2506,7 +2506,7 @@
             <a:fld id="{DF646D27-C028-49C8-A06E-0469BE7D3348}" type="datetimeFigureOut">
               <a:rPr lang="zh-TW" altLang="en-US" smtClean="0"/>
               <a:pPr/>
-              <a:t>2022/6/4</a:t>
+              <a:t>2023/8/31</a:t>
             </a:fld>
             <a:endParaRPr lang="zh-TW" altLang="en-US"/>
           </a:p>
@@ -2721,7 +2721,7 @@
             <a:fld id="{DF646D27-C028-49C8-A06E-0469BE7D3348}" type="datetimeFigureOut">
               <a:rPr lang="zh-TW" altLang="en-US" smtClean="0"/>
               <a:pPr/>
-              <a:t>2022/6/4</a:t>
+              <a:t>2023/8/31</a:t>
             </a:fld>
             <a:endParaRPr lang="zh-TW" altLang="en-US"/>
           </a:p>
@@ -3233,27 +3233,47 @@
                 <a:latin typeface="微軟正黑體" pitchFamily="34" charset="-120"/>
                 <a:ea typeface="微軟正黑體" pitchFamily="34" charset="-120"/>
               </a:rPr>
-              <a:t>我記念</a:t>
-            </a:r>
-            <a:r>
-              <a:rPr lang="zh-CN" altLang="en-US" sz="6400" b="1" dirty="0">
+              <a:t>我記</a:t>
+            </a:r>
+            <a:r>
+              <a:rPr lang="zh-TW" altLang="en-US" sz="6400" b="1" dirty="0" smtClean="0">
                 <a:solidFill>
                   <a:srgbClr val="000066"/>
                 </a:solidFill>
                 <a:latin typeface="微軟正黑體" pitchFamily="34" charset="-120"/>
                 <a:ea typeface="微軟正黑體" pitchFamily="34" charset="-120"/>
               </a:rPr>
-              <a:t>袮</a:t>
-            </a:r>
-            <a:r>
-              <a:rPr lang="zh-TW" altLang="en-US" sz="6400" b="1" dirty="0">
+              <a:t>念</a:t>
+            </a:r>
+            <a:r>
+              <a:rPr lang="zh-CN" altLang="en-US" sz="6400" b="1" dirty="0" smtClean="0">
                 <a:solidFill>
                   <a:srgbClr val="000066"/>
                 </a:solidFill>
                 <a:latin typeface="微軟正黑體" pitchFamily="34" charset="-120"/>
                 <a:ea typeface="微軟正黑體" pitchFamily="34" charset="-120"/>
               </a:rPr>
-              <a:t>  親愛耶穌</a:t>
+              <a:t>祢</a:t>
+            </a:r>
+            <a:r>
+              <a:rPr lang="zh-TW" altLang="en-US" sz="6400" b="1" dirty="0" smtClean="0">
+                <a:solidFill>
+                  <a:srgbClr val="000066"/>
+                </a:solidFill>
+                <a:latin typeface="微軟正黑體" pitchFamily="34" charset="-120"/>
+                <a:ea typeface="微軟正黑體" pitchFamily="34" charset="-120"/>
+              </a:rPr>
+              <a:t>  </a:t>
+            </a:r>
+            <a:r>
+              <a:rPr lang="zh-TW" altLang="en-US" sz="6400" b="1" dirty="0">
+                <a:solidFill>
+                  <a:srgbClr val="000066"/>
+                </a:solidFill>
+                <a:latin typeface="微軟正黑體" pitchFamily="34" charset="-120"/>
+                <a:ea typeface="微軟正黑體" pitchFamily="34" charset="-120"/>
+              </a:rPr>
+              <a:t>親愛耶穌</a:t>
             </a:r>
             <a:endParaRPr lang="en-US" altLang="zh-TW" sz="6400" b="1" dirty="0">
               <a:solidFill>
@@ -3390,27 +3410,47 @@
                 <a:latin typeface="微軟正黑體" pitchFamily="34" charset="-120"/>
                 <a:ea typeface="微軟正黑體" pitchFamily="34" charset="-120"/>
               </a:rPr>
-              <a:t>十架上</a:t>
-            </a:r>
-            <a:r>
-              <a:rPr lang="zh-CN" altLang="en-US" sz="6400" b="1" dirty="0">
+              <a:t>十架</a:t>
+            </a:r>
+            <a:r>
+              <a:rPr lang="zh-TW" altLang="en-US" sz="6400" b="1" dirty="0" smtClean="0">
                 <a:solidFill>
                   <a:srgbClr val="000066"/>
                 </a:solidFill>
                 <a:latin typeface="微軟正黑體" pitchFamily="34" charset="-120"/>
                 <a:ea typeface="微軟正黑體" pitchFamily="34" charset="-120"/>
               </a:rPr>
-              <a:t>袮</a:t>
-            </a:r>
-            <a:r>
-              <a:rPr lang="zh-TW" altLang="en-US" sz="6400" b="1" dirty="0">
+              <a:t>上</a:t>
+            </a:r>
+            <a:r>
+              <a:rPr lang="zh-CN" altLang="en-US" sz="6400" b="1" dirty="0" smtClean="0">
                 <a:solidFill>
                   <a:srgbClr val="000066"/>
                 </a:solidFill>
                 <a:latin typeface="微軟正黑體" pitchFamily="34" charset="-120"/>
                 <a:ea typeface="微軟正黑體" pitchFamily="34" charset="-120"/>
               </a:rPr>
-              <a:t>換回我生命</a:t>
+              <a:t>祢</a:t>
+            </a:r>
+            <a:r>
+              <a:rPr lang="zh-TW" altLang="en-US" sz="6400" b="1" dirty="0" smtClean="0">
+                <a:solidFill>
+                  <a:srgbClr val="000066"/>
+                </a:solidFill>
+                <a:latin typeface="微軟正黑體" pitchFamily="34" charset="-120"/>
+                <a:ea typeface="微軟正黑體" pitchFamily="34" charset="-120"/>
+              </a:rPr>
+              <a:t>換</a:t>
+            </a:r>
+            <a:r>
+              <a:rPr lang="zh-TW" altLang="en-US" sz="6400" b="1" dirty="0">
+                <a:solidFill>
+                  <a:srgbClr val="000066"/>
+                </a:solidFill>
+                <a:latin typeface="微軟正黑體" pitchFamily="34" charset="-120"/>
+                <a:ea typeface="微軟正黑體" pitchFamily="34" charset="-120"/>
+              </a:rPr>
+              <a:t>回我生命</a:t>
             </a:r>
             <a:endParaRPr lang="en-US" altLang="zh-TW" sz="6400" b="1" dirty="0">
               <a:solidFill>
@@ -3584,17 +3624,27 @@
                 <a:latin typeface="微軟正黑體" pitchFamily="34" charset="-120"/>
                 <a:ea typeface="微軟正黑體" pitchFamily="34" charset="-120"/>
               </a:rPr>
-              <a:t>我感謝</a:t>
-            </a:r>
-            <a:r>
-              <a:rPr lang="zh-CN" altLang="en-US" sz="6400" b="1" dirty="0">
+              <a:t>我感</a:t>
+            </a:r>
+            <a:r>
+              <a:rPr lang="zh-TW" altLang="en-US" sz="6400" b="1" dirty="0" smtClean="0">
                 <a:solidFill>
                   <a:srgbClr val="000066"/>
                 </a:solidFill>
                 <a:latin typeface="微軟正黑體" pitchFamily="34" charset="-120"/>
                 <a:ea typeface="微軟正黑體" pitchFamily="34" charset="-120"/>
               </a:rPr>
-              <a:t>袮  </a:t>
+              <a:t>謝</a:t>
+            </a:r>
+            <a:r>
+              <a:rPr lang="zh-CN" altLang="en-US" sz="6400" b="1" dirty="0" smtClean="0">
+                <a:solidFill>
+                  <a:srgbClr val="000066"/>
+                </a:solidFill>
+                <a:latin typeface="微軟正黑體" pitchFamily="34" charset="-120"/>
+                <a:ea typeface="微軟正黑體" pitchFamily="34" charset="-120"/>
+              </a:rPr>
+              <a:t>祢  </a:t>
             </a:r>
             <a:r>
               <a:rPr lang="zh-TW" altLang="en-US" sz="6400" b="1" dirty="0">
@@ -3734,24 +3784,34 @@
               <a:buNone/>
             </a:pPr>
             <a:r>
-              <a:rPr lang="zh-CN" altLang="en-US" sz="6400" b="1" dirty="0">
+              <a:rPr lang="zh-CN" altLang="en-US" sz="6400" b="1" dirty="0" smtClean="0">
                 <a:solidFill>
                   <a:srgbClr val="000066"/>
                 </a:solidFill>
                 <a:latin typeface="微軟正黑體" pitchFamily="34" charset="-120"/>
                 <a:ea typeface="微軟正黑體" pitchFamily="34" charset="-120"/>
               </a:rPr>
-              <a:t>袮</a:t>
-            </a:r>
-            <a:r>
-              <a:rPr lang="zh-TW" altLang="en-US" sz="6400" b="1" dirty="0">
+              <a:t>祢</a:t>
+            </a:r>
+            <a:r>
+              <a:rPr lang="zh-TW" altLang="en-US" sz="6400" b="1" dirty="0" smtClean="0">
                 <a:solidFill>
                   <a:srgbClr val="000066"/>
                 </a:solidFill>
                 <a:latin typeface="微軟正黑體" pitchFamily="34" charset="-120"/>
                 <a:ea typeface="微軟正黑體" pitchFamily="34" charset="-120"/>
               </a:rPr>
-              <a:t>寶血洗淨我的罪</a:t>
+              <a:t>寶</a:t>
+            </a:r>
+            <a:r>
+              <a:rPr lang="zh-TW" altLang="en-US" sz="6400" b="1" dirty="0">
+                <a:solidFill>
+                  <a:srgbClr val="000066"/>
+                </a:solidFill>
+                <a:latin typeface="微軟正黑體" pitchFamily="34" charset="-120"/>
+                <a:ea typeface="微軟正黑體" pitchFamily="34" charset="-120"/>
+              </a:rPr>
+              <a:t>血洗淨我的罪</a:t>
             </a:r>
             <a:endParaRPr lang="en-US" altLang="zh-TW" sz="6400" b="1" dirty="0">
               <a:solidFill>
@@ -3903,27 +3963,47 @@
                 <a:latin typeface="微軟正黑體" pitchFamily="34" charset="-120"/>
                 <a:ea typeface="微軟正黑體" pitchFamily="34" charset="-120"/>
               </a:rPr>
-              <a:t>謝謝</a:t>
-            </a:r>
-            <a:r>
-              <a:rPr lang="zh-CN" altLang="en-US" sz="6400" b="1" dirty="0">
+              <a:t>謝</a:t>
+            </a:r>
+            <a:r>
+              <a:rPr lang="zh-TW" altLang="en-US" sz="6400" b="1" dirty="0" smtClean="0">
                 <a:solidFill>
                   <a:srgbClr val="000066"/>
                 </a:solidFill>
                 <a:latin typeface="微軟正黑體" pitchFamily="34" charset="-120"/>
                 <a:ea typeface="微軟正黑體" pitchFamily="34" charset="-120"/>
               </a:rPr>
-              <a:t>袮</a:t>
-            </a:r>
-            <a:r>
-              <a:rPr lang="zh-TW" altLang="en-US" sz="6400" b="1" dirty="0">
+              <a:t>謝</a:t>
+            </a:r>
+            <a:r>
+              <a:rPr lang="zh-CN" altLang="en-US" sz="6400" b="1" dirty="0" smtClean="0">
                 <a:solidFill>
                   <a:srgbClr val="000066"/>
                 </a:solidFill>
                 <a:latin typeface="微軟正黑體" pitchFamily="34" charset="-120"/>
                 <a:ea typeface="微軟正黑體" pitchFamily="34" charset="-120"/>
               </a:rPr>
-              <a:t>為我死在十架上</a:t>
+              <a:t>祢</a:t>
+            </a:r>
+            <a:r>
+              <a:rPr lang="zh-TW" altLang="en-US" sz="6400" b="1" dirty="0" smtClean="0">
+                <a:solidFill>
+                  <a:srgbClr val="000066"/>
+                </a:solidFill>
+                <a:latin typeface="微軟正黑體" pitchFamily="34" charset="-120"/>
+                <a:ea typeface="微軟正黑體" pitchFamily="34" charset="-120"/>
+              </a:rPr>
+              <a:t>為</a:t>
+            </a:r>
+            <a:r>
+              <a:rPr lang="zh-TW" altLang="en-US" sz="6400" b="1" dirty="0">
+                <a:solidFill>
+                  <a:srgbClr val="000066"/>
+                </a:solidFill>
+                <a:latin typeface="微軟正黑體" pitchFamily="34" charset="-120"/>
+                <a:ea typeface="微軟正黑體" pitchFamily="34" charset="-120"/>
+              </a:rPr>
+              <a:t>我死在十架上</a:t>
             </a:r>
             <a:endParaRPr lang="en-US" altLang="zh-TW" sz="6400" b="1" dirty="0">
               <a:solidFill>
@@ -4008,17 +4088,7 @@
                 <a:latin typeface="Microsoft JhengHei" panose="020B0604030504040204" pitchFamily="34" charset="-120"/>
                 <a:ea typeface="Microsoft JhengHei" panose="020B0604030504040204" pitchFamily="34" charset="-120"/>
               </a:rPr>
-              <a:t> </a:t>
-            </a:r>
-            <a:r>
-              <a:rPr lang="en-US" sz="4000" b="1" dirty="0" smtClean="0">
-                <a:solidFill>
-                  <a:srgbClr val="000066"/>
-                </a:solidFill>
-                <a:latin typeface="Microsoft JhengHei" panose="020B0604030504040204" pitchFamily="34" charset="-120"/>
-                <a:ea typeface="Microsoft JhengHei" panose="020B0604030504040204" pitchFamily="34" charset="-120"/>
-              </a:rPr>
-              <a:t>)</a:t>
+              <a:t> )</a:t>
             </a:r>
             <a:endParaRPr lang="vi-VN" sz="4000" b="1" dirty="0">
               <a:solidFill>
@@ -4134,27 +4204,47 @@
                 <a:latin typeface="微軟正黑體" pitchFamily="34" charset="-120"/>
                 <a:ea typeface="微軟正黑體" pitchFamily="34" charset="-120"/>
               </a:rPr>
-              <a:t>都因</a:t>
-            </a:r>
-            <a:r>
-              <a:rPr lang="zh-CN" altLang="en-US" sz="6400" b="1" dirty="0">
+              <a:t>都</a:t>
+            </a:r>
+            <a:r>
+              <a:rPr lang="zh-TW" altLang="en-US" sz="6400" b="1" dirty="0" smtClean="0">
                 <a:solidFill>
                   <a:srgbClr val="000066"/>
                 </a:solidFill>
                 <a:latin typeface="微軟正黑體" pitchFamily="34" charset="-120"/>
                 <a:ea typeface="微軟正黑體" pitchFamily="34" charset="-120"/>
               </a:rPr>
-              <a:t>袮</a:t>
-            </a:r>
-            <a:r>
-              <a:rPr lang="zh-TW" altLang="en-US" sz="6400" b="1" dirty="0">
+              <a:t>因</a:t>
+            </a:r>
+            <a:r>
+              <a:rPr lang="zh-CN" altLang="en-US" sz="6400" b="1" dirty="0" smtClean="0">
                 <a:solidFill>
                   <a:srgbClr val="000066"/>
                 </a:solidFill>
                 <a:latin typeface="微軟正黑體" pitchFamily="34" charset="-120"/>
                 <a:ea typeface="微軟正黑體" pitchFamily="34" charset="-120"/>
               </a:rPr>
-              <a:t>那救贖的恩典</a:t>
+              <a:t>祢</a:t>
+            </a:r>
+            <a:r>
+              <a:rPr lang="zh-TW" altLang="en-US" sz="6400" b="1" dirty="0" smtClean="0">
+                <a:solidFill>
+                  <a:srgbClr val="000066"/>
+                </a:solidFill>
+                <a:latin typeface="微軟正黑體" pitchFamily="34" charset="-120"/>
+                <a:ea typeface="微軟正黑體" pitchFamily="34" charset="-120"/>
+              </a:rPr>
+              <a:t>那</a:t>
+            </a:r>
+            <a:r>
+              <a:rPr lang="zh-TW" altLang="en-US" sz="6400" b="1" dirty="0">
+                <a:solidFill>
+                  <a:srgbClr val="000066"/>
+                </a:solidFill>
+                <a:latin typeface="微軟正黑體" pitchFamily="34" charset="-120"/>
+                <a:ea typeface="微軟正黑體" pitchFamily="34" charset="-120"/>
+              </a:rPr>
+              <a:t>救贖的恩典</a:t>
             </a:r>
           </a:p>
         </p:txBody>
@@ -4210,17 +4300,7 @@
                 <a:latin typeface="Microsoft JhengHei" panose="020B0604030504040204" pitchFamily="34" charset="-120"/>
                 <a:ea typeface="Microsoft JhengHei" panose="020B0604030504040204" pitchFamily="34" charset="-120"/>
               </a:rPr>
-              <a:t> </a:t>
-            </a:r>
-            <a:r>
-              <a:rPr lang="en-US" sz="4000" b="1" dirty="0" smtClean="0">
-                <a:solidFill>
-                  <a:srgbClr val="000066"/>
-                </a:solidFill>
-                <a:latin typeface="Microsoft JhengHei" panose="020B0604030504040204" pitchFamily="34" charset="-120"/>
-                <a:ea typeface="Microsoft JhengHei" panose="020B0604030504040204" pitchFamily="34" charset="-120"/>
-              </a:rPr>
-              <a:t>)</a:t>
+              <a:t> )</a:t>
             </a:r>
             <a:endParaRPr lang="vi-VN" sz="4000" b="1" dirty="0">
               <a:solidFill>
@@ -4379,17 +4459,7 @@
                 <a:latin typeface="Microsoft JhengHei" panose="020B0604030504040204" pitchFamily="34" charset="-120"/>
                 <a:ea typeface="Microsoft JhengHei" panose="020B0604030504040204" pitchFamily="34" charset="-120"/>
               </a:rPr>
-              <a:t> </a:t>
-            </a:r>
-            <a:r>
-              <a:rPr lang="en-US" sz="4000" b="1" dirty="0" smtClean="0">
-                <a:solidFill>
-                  <a:srgbClr val="000066"/>
-                </a:solidFill>
-                <a:latin typeface="Microsoft JhengHei" panose="020B0604030504040204" pitchFamily="34" charset="-120"/>
-                <a:ea typeface="Microsoft JhengHei" panose="020B0604030504040204" pitchFamily="34" charset="-120"/>
-              </a:rPr>
-              <a:t>)</a:t>
+              <a:t> )</a:t>
             </a:r>
             <a:endParaRPr lang="vi-VN" sz="4000" b="1" dirty="0">
               <a:solidFill>
@@ -4548,17 +4618,7 @@
                 <a:latin typeface="Microsoft JhengHei" panose="020B0604030504040204" pitchFamily="34" charset="-120"/>
                 <a:ea typeface="Microsoft JhengHei" panose="020B0604030504040204" pitchFamily="34" charset="-120"/>
               </a:rPr>
-              <a:t> </a:t>
-            </a:r>
-            <a:r>
-              <a:rPr lang="en-US" sz="4000" b="1" dirty="0" smtClean="0">
-                <a:solidFill>
-                  <a:srgbClr val="000066"/>
-                </a:solidFill>
-                <a:latin typeface="Microsoft JhengHei" panose="020B0604030504040204" pitchFamily="34" charset="-120"/>
-                <a:ea typeface="Microsoft JhengHei" panose="020B0604030504040204" pitchFamily="34" charset="-120"/>
-              </a:rPr>
-              <a:t>)</a:t>
+              <a:t> )</a:t>
             </a:r>
             <a:endParaRPr lang="vi-VN" sz="4000" b="1" dirty="0">
               <a:solidFill>
